--- a/doc/task2/red_task2.pptx
+++ b/doc/task2/red_task2.pptx
@@ -4,6 +4,9 @@
   <p:sldMasterIdLst>
     <p:sldMasterId id="2147483648" r:id="rId1"/>
   </p:sldMasterIdLst>
+  <p:notesMasterIdLst>
+    <p:notesMasterId r:id="rId7"/>
+  </p:notesMasterIdLst>
   <p:sldIdLst>
     <p:sldId id="256" r:id="rId2"/>
     <p:sldId id="258" r:id="rId3"/>
@@ -127,6 +130,466 @@
 </p:presentation>
 </file>
 
+<file path=ppt/notesMasters/notesMaster1.xml><?xml version="1.0" encoding="utf-8"?>
+<p:notesMaster xmlns:a="http://schemas.openxmlformats.org/drawingml/2006/main" xmlns:r="http://schemas.openxmlformats.org/officeDocument/2006/relationships" xmlns:p="http://schemas.openxmlformats.org/presentationml/2006/main">
+  <p:cSld>
+    <p:bg>
+      <p:bgRef idx="1001">
+        <a:schemeClr val="bg1"/>
+      </p:bgRef>
+    </p:bg>
+    <p:spTree>
+      <p:nvGrpSpPr>
+        <p:cNvPr id="1" name=""/>
+        <p:cNvGrpSpPr/>
+        <p:nvPr/>
+      </p:nvGrpSpPr>
+      <p:grpSpPr>
+        <a:xfrm>
+          <a:off x="0" y="0"/>
+          <a:ext cx="0" cy="0"/>
+          <a:chOff x="0" y="0"/>
+          <a:chExt cx="0" cy="0"/>
+        </a:xfrm>
+      </p:grpSpPr>
+      <p:sp>
+        <p:nvSpPr>
+          <p:cNvPr id="2" name="Espace réservé de l'en-tête 1"/>
+          <p:cNvSpPr>
+            <a:spLocks noGrp="1"/>
+          </p:cNvSpPr>
+          <p:nvPr>
+            <p:ph type="hdr" sz="quarter"/>
+          </p:nvPr>
+        </p:nvSpPr>
+        <p:spPr>
+          <a:xfrm>
+            <a:off x="0" y="0"/>
+            <a:ext cx="2971800" cy="458788"/>
+          </a:xfrm>
+          <a:prstGeom prst="rect">
+            <a:avLst/>
+          </a:prstGeom>
+        </p:spPr>
+        <p:txBody>
+          <a:bodyPr vert="horz" lIns="91440" tIns="45720" rIns="91440" bIns="45720" rtlCol="0"/>
+          <a:lstStyle>
+            <a:lvl1pPr algn="l">
+              <a:defRPr sz="1200"/>
+            </a:lvl1pPr>
+          </a:lstStyle>
+          <a:p>
+            <a:endParaRPr lang="fr-CH"/>
+          </a:p>
+        </p:txBody>
+      </p:sp>
+      <p:sp>
+        <p:nvSpPr>
+          <p:cNvPr id="3" name="Espace réservé de la date 2"/>
+          <p:cNvSpPr>
+            <a:spLocks noGrp="1"/>
+          </p:cNvSpPr>
+          <p:nvPr>
+            <p:ph type="dt" idx="1"/>
+          </p:nvPr>
+        </p:nvSpPr>
+        <p:spPr>
+          <a:xfrm>
+            <a:off x="3884613" y="0"/>
+            <a:ext cx="2971800" cy="458788"/>
+          </a:xfrm>
+          <a:prstGeom prst="rect">
+            <a:avLst/>
+          </a:prstGeom>
+        </p:spPr>
+        <p:txBody>
+          <a:bodyPr vert="horz" lIns="91440" tIns="45720" rIns="91440" bIns="45720" rtlCol="0"/>
+          <a:lstStyle>
+            <a:lvl1pPr algn="r">
+              <a:defRPr sz="1200"/>
+            </a:lvl1pPr>
+          </a:lstStyle>
+          <a:p>
+            <a:fld id="{5B2198A5-93F7-4FCF-869A-9C82D45C0156}" type="datetimeFigureOut">
+              <a:rPr lang="fr-CH" smtClean="0"/>
+              <a:t>06.10.2016</a:t>
+            </a:fld>
+            <a:endParaRPr lang="fr-CH"/>
+          </a:p>
+        </p:txBody>
+      </p:sp>
+      <p:sp>
+        <p:nvSpPr>
+          <p:cNvPr id="4" name="Espace réservé de l'image des diapositives 3"/>
+          <p:cNvSpPr>
+            <a:spLocks noGrp="1" noRot="1" noChangeAspect="1"/>
+          </p:cNvSpPr>
+          <p:nvPr>
+            <p:ph type="sldImg" idx="2"/>
+          </p:nvPr>
+        </p:nvSpPr>
+        <p:spPr>
+          <a:xfrm>
+            <a:off x="685800" y="1143000"/>
+            <a:ext cx="5486400" cy="3086100"/>
+          </a:xfrm>
+          <a:prstGeom prst="rect">
+            <a:avLst/>
+          </a:prstGeom>
+          <a:noFill/>
+          <a:ln w="12700">
+            <a:solidFill>
+              <a:prstClr val="black"/>
+            </a:solidFill>
+          </a:ln>
+        </p:spPr>
+        <p:txBody>
+          <a:bodyPr vert="horz" lIns="91440" tIns="45720" rIns="91440" bIns="45720" rtlCol="0" anchor="ctr"/>
+          <a:lstStyle/>
+          <a:p>
+            <a:endParaRPr lang="fr-CH"/>
+          </a:p>
+        </p:txBody>
+      </p:sp>
+      <p:sp>
+        <p:nvSpPr>
+          <p:cNvPr id="5" name="Espace réservé des notes 4"/>
+          <p:cNvSpPr>
+            <a:spLocks noGrp="1"/>
+          </p:cNvSpPr>
+          <p:nvPr>
+            <p:ph type="body" sz="quarter" idx="3"/>
+          </p:nvPr>
+        </p:nvSpPr>
+        <p:spPr>
+          <a:xfrm>
+            <a:off x="685800" y="4400550"/>
+            <a:ext cx="5486400" cy="3600450"/>
+          </a:xfrm>
+          <a:prstGeom prst="rect">
+            <a:avLst/>
+          </a:prstGeom>
+        </p:spPr>
+        <p:txBody>
+          <a:bodyPr vert="horz" lIns="91440" tIns="45720" rIns="91440" bIns="45720" rtlCol="0"/>
+          <a:lstStyle/>
+          <a:p>
+            <a:pPr lvl="0"/>
+            <a:r>
+              <a:rPr lang="fr-FR"/>
+              <a:t>Modifier les styles du texte du masque</a:t>
+            </a:r>
+          </a:p>
+          <a:p>
+            <a:pPr lvl="1"/>
+            <a:r>
+              <a:rPr lang="fr-FR"/>
+              <a:t>Deuxième niveau</a:t>
+            </a:r>
+          </a:p>
+          <a:p>
+            <a:pPr lvl="2"/>
+            <a:r>
+              <a:rPr lang="fr-FR"/>
+              <a:t>Troisième niveau</a:t>
+            </a:r>
+          </a:p>
+          <a:p>
+            <a:pPr lvl="3"/>
+            <a:r>
+              <a:rPr lang="fr-FR"/>
+              <a:t>Quatrième niveau</a:t>
+            </a:r>
+          </a:p>
+          <a:p>
+            <a:pPr lvl="4"/>
+            <a:r>
+              <a:rPr lang="fr-FR"/>
+              <a:t>Cinquième niveau</a:t>
+            </a:r>
+            <a:endParaRPr lang="fr-CH"/>
+          </a:p>
+        </p:txBody>
+      </p:sp>
+      <p:sp>
+        <p:nvSpPr>
+          <p:cNvPr id="6" name="Espace réservé du pied de page 5"/>
+          <p:cNvSpPr>
+            <a:spLocks noGrp="1"/>
+          </p:cNvSpPr>
+          <p:nvPr>
+            <p:ph type="ftr" sz="quarter" idx="4"/>
+          </p:nvPr>
+        </p:nvSpPr>
+        <p:spPr>
+          <a:xfrm>
+            <a:off x="0" y="8685213"/>
+            <a:ext cx="2971800" cy="458787"/>
+          </a:xfrm>
+          <a:prstGeom prst="rect">
+            <a:avLst/>
+          </a:prstGeom>
+        </p:spPr>
+        <p:txBody>
+          <a:bodyPr vert="horz" lIns="91440" tIns="45720" rIns="91440" bIns="45720" rtlCol="0" anchor="b"/>
+          <a:lstStyle>
+            <a:lvl1pPr algn="l">
+              <a:defRPr sz="1200"/>
+            </a:lvl1pPr>
+          </a:lstStyle>
+          <a:p>
+            <a:endParaRPr lang="fr-CH"/>
+          </a:p>
+        </p:txBody>
+      </p:sp>
+      <p:sp>
+        <p:nvSpPr>
+          <p:cNvPr id="7" name="Espace réservé du numéro de diapositive 6"/>
+          <p:cNvSpPr>
+            <a:spLocks noGrp="1"/>
+          </p:cNvSpPr>
+          <p:nvPr>
+            <p:ph type="sldNum" sz="quarter" idx="5"/>
+          </p:nvPr>
+        </p:nvSpPr>
+        <p:spPr>
+          <a:xfrm>
+            <a:off x="3884613" y="8685213"/>
+            <a:ext cx="2971800" cy="458787"/>
+          </a:xfrm>
+          <a:prstGeom prst="rect">
+            <a:avLst/>
+          </a:prstGeom>
+        </p:spPr>
+        <p:txBody>
+          <a:bodyPr vert="horz" lIns="91440" tIns="45720" rIns="91440" bIns="45720" rtlCol="0" anchor="b"/>
+          <a:lstStyle>
+            <a:lvl1pPr algn="r">
+              <a:defRPr sz="1200"/>
+            </a:lvl1pPr>
+          </a:lstStyle>
+          <a:p>
+            <a:fld id="{AF9FDE3E-48DD-4CA6-B489-1DA43FB4A99C}" type="slidenum">
+              <a:rPr lang="fr-CH" smtClean="0"/>
+              <a:t>‹N°›</a:t>
+            </a:fld>
+            <a:endParaRPr lang="fr-CH"/>
+          </a:p>
+        </p:txBody>
+      </p:sp>
+    </p:spTree>
+    <p:extLst>
+      <p:ext uri="{BB962C8B-B14F-4D97-AF65-F5344CB8AC3E}">
+        <p14:creationId xmlns:p14="http://schemas.microsoft.com/office/powerpoint/2010/main" val="721684655"/>
+      </p:ext>
+    </p:extLst>
+  </p:cSld>
+  <p:clrMap bg1="lt1" tx1="dk1" bg2="lt2" tx2="dk2" accent1="accent1" accent2="accent2" accent3="accent3" accent4="accent4" accent5="accent5" accent6="accent6" hlink="hlink" folHlink="folHlink"/>
+  <p:notesStyle>
+    <a:lvl1pPr marL="0" algn="l" defTabSz="914400" rtl="0" eaLnBrk="1" latinLnBrk="0" hangingPunct="1">
+      <a:defRPr sz="1200" kern="1200">
+        <a:solidFill>
+          <a:schemeClr val="tx1"/>
+        </a:solidFill>
+        <a:latin typeface="+mn-lt"/>
+        <a:ea typeface="+mn-ea"/>
+        <a:cs typeface="+mn-cs"/>
+      </a:defRPr>
+    </a:lvl1pPr>
+    <a:lvl2pPr marL="457200" algn="l" defTabSz="914400" rtl="0" eaLnBrk="1" latinLnBrk="0" hangingPunct="1">
+      <a:defRPr sz="1200" kern="1200">
+        <a:solidFill>
+          <a:schemeClr val="tx1"/>
+        </a:solidFill>
+        <a:latin typeface="+mn-lt"/>
+        <a:ea typeface="+mn-ea"/>
+        <a:cs typeface="+mn-cs"/>
+      </a:defRPr>
+    </a:lvl2pPr>
+    <a:lvl3pPr marL="914400" algn="l" defTabSz="914400" rtl="0" eaLnBrk="1" latinLnBrk="0" hangingPunct="1">
+      <a:defRPr sz="1200" kern="1200">
+        <a:solidFill>
+          <a:schemeClr val="tx1"/>
+        </a:solidFill>
+        <a:latin typeface="+mn-lt"/>
+        <a:ea typeface="+mn-ea"/>
+        <a:cs typeface="+mn-cs"/>
+      </a:defRPr>
+    </a:lvl3pPr>
+    <a:lvl4pPr marL="1371600" algn="l" defTabSz="914400" rtl="0" eaLnBrk="1" latinLnBrk="0" hangingPunct="1">
+      <a:defRPr sz="1200" kern="1200">
+        <a:solidFill>
+          <a:schemeClr val="tx1"/>
+        </a:solidFill>
+        <a:latin typeface="+mn-lt"/>
+        <a:ea typeface="+mn-ea"/>
+        <a:cs typeface="+mn-cs"/>
+      </a:defRPr>
+    </a:lvl4pPr>
+    <a:lvl5pPr marL="1828800" algn="l" defTabSz="914400" rtl="0" eaLnBrk="1" latinLnBrk="0" hangingPunct="1">
+      <a:defRPr sz="1200" kern="1200">
+        <a:solidFill>
+          <a:schemeClr val="tx1"/>
+        </a:solidFill>
+        <a:latin typeface="+mn-lt"/>
+        <a:ea typeface="+mn-ea"/>
+        <a:cs typeface="+mn-cs"/>
+      </a:defRPr>
+    </a:lvl5pPr>
+    <a:lvl6pPr marL="2286000" algn="l" defTabSz="914400" rtl="0" eaLnBrk="1" latinLnBrk="0" hangingPunct="1">
+      <a:defRPr sz="1200" kern="1200">
+        <a:solidFill>
+          <a:schemeClr val="tx1"/>
+        </a:solidFill>
+        <a:latin typeface="+mn-lt"/>
+        <a:ea typeface="+mn-ea"/>
+        <a:cs typeface="+mn-cs"/>
+      </a:defRPr>
+    </a:lvl6pPr>
+    <a:lvl7pPr marL="2743200" algn="l" defTabSz="914400" rtl="0" eaLnBrk="1" latinLnBrk="0" hangingPunct="1">
+      <a:defRPr sz="1200" kern="1200">
+        <a:solidFill>
+          <a:schemeClr val="tx1"/>
+        </a:solidFill>
+        <a:latin typeface="+mn-lt"/>
+        <a:ea typeface="+mn-ea"/>
+        <a:cs typeface="+mn-cs"/>
+      </a:defRPr>
+    </a:lvl7pPr>
+    <a:lvl8pPr marL="3200400" algn="l" defTabSz="914400" rtl="0" eaLnBrk="1" latinLnBrk="0" hangingPunct="1">
+      <a:defRPr sz="1200" kern="1200">
+        <a:solidFill>
+          <a:schemeClr val="tx1"/>
+        </a:solidFill>
+        <a:latin typeface="+mn-lt"/>
+        <a:ea typeface="+mn-ea"/>
+        <a:cs typeface="+mn-cs"/>
+      </a:defRPr>
+    </a:lvl8pPr>
+    <a:lvl9pPr marL="3657600" algn="l" defTabSz="914400" rtl="0" eaLnBrk="1" latinLnBrk="0" hangingPunct="1">
+      <a:defRPr sz="1200" kern="1200">
+        <a:solidFill>
+          <a:schemeClr val="tx1"/>
+        </a:solidFill>
+        <a:latin typeface="+mn-lt"/>
+        <a:ea typeface="+mn-ea"/>
+        <a:cs typeface="+mn-cs"/>
+      </a:defRPr>
+    </a:lvl9pPr>
+  </p:notesStyle>
+</p:notesMaster>
+</file>
+
+<file path=ppt/notesSlides/notesSlide1.xml><?xml version="1.0" encoding="utf-8"?>
+<p:notes xmlns:a="http://schemas.openxmlformats.org/drawingml/2006/main" xmlns:r="http://schemas.openxmlformats.org/officeDocument/2006/relationships" xmlns:p="http://schemas.openxmlformats.org/presentationml/2006/main">
+  <p:cSld>
+    <p:spTree>
+      <p:nvGrpSpPr>
+        <p:cNvPr id="1" name=""/>
+        <p:cNvGrpSpPr/>
+        <p:nvPr/>
+      </p:nvGrpSpPr>
+      <p:grpSpPr>
+        <a:xfrm>
+          <a:off x="0" y="0"/>
+          <a:ext cx="0" cy="0"/>
+          <a:chOff x="0" y="0"/>
+          <a:chExt cx="0" cy="0"/>
+        </a:xfrm>
+      </p:grpSpPr>
+      <p:sp>
+        <p:nvSpPr>
+          <p:cNvPr id="2" name="Espace réservé de l'image des diapositives 1"/>
+          <p:cNvSpPr>
+            <a:spLocks noGrp="1" noRot="1" noChangeAspect="1"/>
+          </p:cNvSpPr>
+          <p:nvPr>
+            <p:ph type="sldImg"/>
+          </p:nvPr>
+        </p:nvSpPr>
+        <p:spPr/>
+      </p:sp>
+      <p:sp>
+        <p:nvSpPr>
+          <p:cNvPr id="3" name="Espace réservé des notes 2"/>
+          <p:cNvSpPr>
+            <a:spLocks noGrp="1"/>
+          </p:cNvSpPr>
+          <p:nvPr>
+            <p:ph type="body" idx="1"/>
+          </p:nvPr>
+        </p:nvSpPr>
+        <p:spPr/>
+        <p:txBody>
+          <a:bodyPr/>
+          <a:lstStyle/>
+          <a:p>
+            <a:r>
+              <a:rPr lang="fr-CH" dirty="0"/>
+              <a:t>Mac</a:t>
+            </a:r>
+            <a:br>
+              <a:rPr lang="fr-CH" dirty="0"/>
+            </a:br>
+            <a:r>
+              <a:rPr lang="fr-CH" dirty="0" err="1"/>
+              <a:t>ipx</a:t>
+            </a:r>
+            <a:br>
+              <a:rPr lang="fr-CH" dirty="0"/>
+            </a:br>
+            <a:r>
+              <a:rPr lang="fr-CH" dirty="0" err="1"/>
+              <a:t>tcp</a:t>
+            </a:r>
+            <a:r>
+              <a:rPr lang="fr-CH" baseline="0" dirty="0"/>
+              <a:t> / </a:t>
+            </a:r>
+            <a:r>
+              <a:rPr lang="fr-CH" baseline="0" dirty="0" err="1"/>
+              <a:t>udp</a:t>
+            </a:r>
+            <a:endParaRPr lang="fr-CH" dirty="0"/>
+          </a:p>
+        </p:txBody>
+      </p:sp>
+      <p:sp>
+        <p:nvSpPr>
+          <p:cNvPr id="4" name="Espace réservé du numéro de diapositive 3"/>
+          <p:cNvSpPr>
+            <a:spLocks noGrp="1"/>
+          </p:cNvSpPr>
+          <p:nvPr>
+            <p:ph type="sldNum" sz="quarter" idx="10"/>
+          </p:nvPr>
+        </p:nvSpPr>
+        <p:spPr/>
+        <p:txBody>
+          <a:bodyPr/>
+          <a:lstStyle/>
+          <a:p>
+            <a:fld id="{AF9FDE3E-48DD-4CA6-B489-1DA43FB4A99C}" type="slidenum">
+              <a:rPr lang="fr-CH" smtClean="0"/>
+              <a:t>4</a:t>
+            </a:fld>
+            <a:endParaRPr lang="fr-CH"/>
+          </a:p>
+        </p:txBody>
+      </p:sp>
+    </p:spTree>
+    <p:extLst>
+      <p:ext uri="{BB962C8B-B14F-4D97-AF65-F5344CB8AC3E}">
+        <p14:creationId xmlns:p14="http://schemas.microsoft.com/office/powerpoint/2010/main" val="1480974754"/>
+      </p:ext>
+    </p:extLst>
+  </p:cSld>
+  <p:clrMapOvr>
+    <a:masterClrMapping/>
+  </p:clrMapOvr>
+</p:notes>
+</file>
+
 <file path=ppt/slideLayouts/slideLayout1.xml><?xml version="1.0" encoding="utf-8"?>
 <p:sldLayout xmlns:a="http://schemas.openxmlformats.org/drawingml/2006/main" xmlns:r="http://schemas.openxmlformats.org/officeDocument/2006/relationships" xmlns:p="http://schemas.openxmlformats.org/presentationml/2006/main" type="title" preserve="1">
   <p:cSld name="Titelfolie">
@@ -169,7 +632,7 @@
           </a:lstStyle>
           <a:p>
             <a:r>
-              <a:rPr lang="de-DE" smtClean="0"/>
+              <a:rPr lang="de-DE"/>
               <a:t>Titelmasterformat durch Klicken bearbeiten</a:t>
             </a:r>
             <a:endParaRPr lang="de-CH"/>
@@ -234,7 +697,7 @@
           </a:lstStyle>
           <a:p>
             <a:r>
-              <a:rPr lang="de-DE" smtClean="0"/>
+              <a:rPr lang="de-DE"/>
               <a:t>Formatvorlage des Untertitelmasters durch Klicken bearbeiten</a:t>
             </a:r>
             <a:endParaRPr lang="de-CH"/>
@@ -300,7 +763,7 @@
           <a:p>
             <a:fld id="{BE5B2E26-3929-4A5A-8746-9004F4E2E30D}" type="slidenum">
               <a:rPr lang="de-CH" smtClean="0"/>
-              <a:t>‹Nr.›</a:t>
+              <a:t>‹N°›</a:t>
             </a:fld>
             <a:endParaRPr lang="de-CH"/>
           </a:p>
@@ -352,7 +815,7 @@
           <a:lstStyle/>
           <a:p>
             <a:r>
-              <a:rPr lang="de-DE" smtClean="0"/>
+              <a:rPr lang="de-DE"/>
               <a:t>Titelmasterformat durch Klicken bearbeiten</a:t>
             </a:r>
             <a:endParaRPr lang="de-CH"/>
@@ -376,35 +839,35 @@
           <a:p>
             <a:pPr lvl="0"/>
             <a:r>
-              <a:rPr lang="de-DE" smtClean="0"/>
+              <a:rPr lang="de-DE"/>
               <a:t>Textmasterformat bearbeiten</a:t>
             </a:r>
           </a:p>
           <a:p>
             <a:pPr lvl="1"/>
             <a:r>
-              <a:rPr lang="de-DE" smtClean="0"/>
+              <a:rPr lang="de-DE"/>
               <a:t>Zweite Ebene</a:t>
             </a:r>
           </a:p>
           <a:p>
             <a:pPr lvl="2"/>
             <a:r>
-              <a:rPr lang="de-DE" smtClean="0"/>
+              <a:rPr lang="de-DE"/>
               <a:t>Dritte Ebene</a:t>
             </a:r>
           </a:p>
           <a:p>
             <a:pPr lvl="3"/>
             <a:r>
-              <a:rPr lang="de-DE" smtClean="0"/>
+              <a:rPr lang="de-DE"/>
               <a:t>Vierte Ebene</a:t>
             </a:r>
           </a:p>
           <a:p>
             <a:pPr lvl="4"/>
             <a:r>
-              <a:rPr lang="de-DE" smtClean="0"/>
+              <a:rPr lang="de-DE"/>
               <a:t>Fünfte Ebene</a:t>
             </a:r>
             <a:endParaRPr lang="de-CH"/>
@@ -470,7 +933,7 @@
           <a:p>
             <a:fld id="{BE5B2E26-3929-4A5A-8746-9004F4E2E30D}" type="slidenum">
               <a:rPr lang="de-CH" smtClean="0"/>
-              <a:t>‹Nr.›</a:t>
+              <a:t>‹N°›</a:t>
             </a:fld>
             <a:endParaRPr lang="de-CH"/>
           </a:p>
@@ -527,7 +990,7 @@
           <a:lstStyle/>
           <a:p>
             <a:r>
-              <a:rPr lang="de-DE" smtClean="0"/>
+              <a:rPr lang="de-DE"/>
               <a:t>Titelmasterformat durch Klicken bearbeiten</a:t>
             </a:r>
             <a:endParaRPr lang="de-CH"/>
@@ -556,35 +1019,35 @@
           <a:p>
             <a:pPr lvl="0"/>
             <a:r>
-              <a:rPr lang="de-DE" smtClean="0"/>
+              <a:rPr lang="de-DE"/>
               <a:t>Textmasterformat bearbeiten</a:t>
             </a:r>
           </a:p>
           <a:p>
             <a:pPr lvl="1"/>
             <a:r>
-              <a:rPr lang="de-DE" smtClean="0"/>
+              <a:rPr lang="de-DE"/>
               <a:t>Zweite Ebene</a:t>
             </a:r>
           </a:p>
           <a:p>
             <a:pPr lvl="2"/>
             <a:r>
-              <a:rPr lang="de-DE" smtClean="0"/>
+              <a:rPr lang="de-DE"/>
               <a:t>Dritte Ebene</a:t>
             </a:r>
           </a:p>
           <a:p>
             <a:pPr lvl="3"/>
             <a:r>
-              <a:rPr lang="de-DE" smtClean="0"/>
+              <a:rPr lang="de-DE"/>
               <a:t>Vierte Ebene</a:t>
             </a:r>
           </a:p>
           <a:p>
             <a:pPr lvl="4"/>
             <a:r>
-              <a:rPr lang="de-DE" smtClean="0"/>
+              <a:rPr lang="de-DE"/>
               <a:t>Fünfte Ebene</a:t>
             </a:r>
             <a:endParaRPr lang="de-CH"/>
@@ -650,7 +1113,7 @@
           <a:p>
             <a:fld id="{BE5B2E26-3929-4A5A-8746-9004F4E2E30D}" type="slidenum">
               <a:rPr lang="de-CH" smtClean="0"/>
-              <a:t>‹Nr.›</a:t>
+              <a:t>‹N°›</a:t>
             </a:fld>
             <a:endParaRPr lang="de-CH"/>
           </a:p>
@@ -702,7 +1165,7 @@
           <a:lstStyle/>
           <a:p>
             <a:r>
-              <a:rPr lang="de-DE" smtClean="0"/>
+              <a:rPr lang="de-DE"/>
               <a:t>Titelmasterformat durch Klicken bearbeiten</a:t>
             </a:r>
             <a:endParaRPr lang="de-CH"/>
@@ -726,35 +1189,35 @@
           <a:p>
             <a:pPr lvl="0"/>
             <a:r>
-              <a:rPr lang="de-DE" smtClean="0"/>
+              <a:rPr lang="de-DE"/>
               <a:t>Textmasterformat bearbeiten</a:t>
             </a:r>
           </a:p>
           <a:p>
             <a:pPr lvl="1"/>
             <a:r>
-              <a:rPr lang="de-DE" smtClean="0"/>
+              <a:rPr lang="de-DE"/>
               <a:t>Zweite Ebene</a:t>
             </a:r>
           </a:p>
           <a:p>
             <a:pPr lvl="2"/>
             <a:r>
-              <a:rPr lang="de-DE" smtClean="0"/>
+              <a:rPr lang="de-DE"/>
               <a:t>Dritte Ebene</a:t>
             </a:r>
           </a:p>
           <a:p>
             <a:pPr lvl="3"/>
             <a:r>
-              <a:rPr lang="de-DE" smtClean="0"/>
+              <a:rPr lang="de-DE"/>
               <a:t>Vierte Ebene</a:t>
             </a:r>
           </a:p>
           <a:p>
             <a:pPr lvl="4"/>
             <a:r>
-              <a:rPr lang="de-DE" smtClean="0"/>
+              <a:rPr lang="de-DE"/>
               <a:t>Fünfte Ebene</a:t>
             </a:r>
             <a:endParaRPr lang="de-CH"/>
@@ -820,7 +1283,7 @@
           <a:p>
             <a:fld id="{BE5B2E26-3929-4A5A-8746-9004F4E2E30D}" type="slidenum">
               <a:rPr lang="de-CH" smtClean="0"/>
-              <a:t>‹Nr.›</a:t>
+              <a:t>‹N°›</a:t>
             </a:fld>
             <a:endParaRPr lang="de-CH"/>
           </a:p>
@@ -881,7 +1344,7 @@
           </a:lstStyle>
           <a:p>
             <a:r>
-              <a:rPr lang="de-DE" smtClean="0"/>
+              <a:rPr lang="de-DE"/>
               <a:t>Titelmasterformat durch Klicken bearbeiten</a:t>
             </a:r>
             <a:endParaRPr lang="de-CH"/>
@@ -1001,7 +1464,7 @@
           <a:p>
             <a:pPr lvl="0"/>
             <a:r>
-              <a:rPr lang="de-DE" smtClean="0"/>
+              <a:rPr lang="de-DE"/>
               <a:t>Textmasterformat bearbeiten</a:t>
             </a:r>
           </a:p>
@@ -1066,7 +1529,7 @@
           <a:p>
             <a:fld id="{BE5B2E26-3929-4A5A-8746-9004F4E2E30D}" type="slidenum">
               <a:rPr lang="de-CH" smtClean="0"/>
-              <a:t>‹Nr.›</a:t>
+              <a:t>‹N°›</a:t>
             </a:fld>
             <a:endParaRPr lang="de-CH"/>
           </a:p>
@@ -1118,7 +1581,7 @@
           <a:lstStyle/>
           <a:p>
             <a:r>
-              <a:rPr lang="de-DE" smtClean="0"/>
+              <a:rPr lang="de-DE"/>
               <a:t>Titelmasterformat durch Klicken bearbeiten</a:t>
             </a:r>
             <a:endParaRPr lang="de-CH"/>
@@ -1147,35 +1610,35 @@
           <a:p>
             <a:pPr lvl="0"/>
             <a:r>
-              <a:rPr lang="de-DE" smtClean="0"/>
+              <a:rPr lang="de-DE"/>
               <a:t>Textmasterformat bearbeiten</a:t>
             </a:r>
           </a:p>
           <a:p>
             <a:pPr lvl="1"/>
             <a:r>
-              <a:rPr lang="de-DE" smtClean="0"/>
+              <a:rPr lang="de-DE"/>
               <a:t>Zweite Ebene</a:t>
             </a:r>
           </a:p>
           <a:p>
             <a:pPr lvl="2"/>
             <a:r>
-              <a:rPr lang="de-DE" smtClean="0"/>
+              <a:rPr lang="de-DE"/>
               <a:t>Dritte Ebene</a:t>
             </a:r>
           </a:p>
           <a:p>
             <a:pPr lvl="3"/>
             <a:r>
-              <a:rPr lang="de-DE" smtClean="0"/>
+              <a:rPr lang="de-DE"/>
               <a:t>Vierte Ebene</a:t>
             </a:r>
           </a:p>
           <a:p>
             <a:pPr lvl="4"/>
             <a:r>
-              <a:rPr lang="de-DE" smtClean="0"/>
+              <a:rPr lang="de-DE"/>
               <a:t>Fünfte Ebene</a:t>
             </a:r>
             <a:endParaRPr lang="de-CH"/>
@@ -1204,35 +1667,35 @@
           <a:p>
             <a:pPr lvl="0"/>
             <a:r>
-              <a:rPr lang="de-DE" smtClean="0"/>
+              <a:rPr lang="de-DE"/>
               <a:t>Textmasterformat bearbeiten</a:t>
             </a:r>
           </a:p>
           <a:p>
             <a:pPr lvl="1"/>
             <a:r>
-              <a:rPr lang="de-DE" smtClean="0"/>
+              <a:rPr lang="de-DE"/>
               <a:t>Zweite Ebene</a:t>
             </a:r>
           </a:p>
           <a:p>
             <a:pPr lvl="2"/>
             <a:r>
-              <a:rPr lang="de-DE" smtClean="0"/>
+              <a:rPr lang="de-DE"/>
               <a:t>Dritte Ebene</a:t>
             </a:r>
           </a:p>
           <a:p>
             <a:pPr lvl="3"/>
             <a:r>
-              <a:rPr lang="de-DE" smtClean="0"/>
+              <a:rPr lang="de-DE"/>
               <a:t>Vierte Ebene</a:t>
             </a:r>
           </a:p>
           <a:p>
             <a:pPr lvl="4"/>
             <a:r>
-              <a:rPr lang="de-DE" smtClean="0"/>
+              <a:rPr lang="de-DE"/>
               <a:t>Fünfte Ebene</a:t>
             </a:r>
             <a:endParaRPr lang="de-CH"/>
@@ -1298,7 +1761,7 @@
           <a:p>
             <a:fld id="{BE5B2E26-3929-4A5A-8746-9004F4E2E30D}" type="slidenum">
               <a:rPr lang="de-CH" smtClean="0"/>
-              <a:t>‹Nr.›</a:t>
+              <a:t>‹N°›</a:t>
             </a:fld>
             <a:endParaRPr lang="de-CH"/>
           </a:p>
@@ -1355,7 +1818,7 @@
           <a:lstStyle/>
           <a:p>
             <a:r>
-              <a:rPr lang="de-DE" smtClean="0"/>
+              <a:rPr lang="de-DE"/>
               <a:t>Titelmasterformat durch Klicken bearbeiten</a:t>
             </a:r>
             <a:endParaRPr lang="de-CH"/>
@@ -1421,7 +1884,7 @@
           <a:p>
             <a:pPr lvl="0"/>
             <a:r>
-              <a:rPr lang="de-DE" smtClean="0"/>
+              <a:rPr lang="de-DE"/>
               <a:t>Textmasterformat bearbeiten</a:t>
             </a:r>
           </a:p>
@@ -1449,35 +1912,35 @@
           <a:p>
             <a:pPr lvl="0"/>
             <a:r>
-              <a:rPr lang="de-DE" smtClean="0"/>
+              <a:rPr lang="de-DE"/>
               <a:t>Textmasterformat bearbeiten</a:t>
             </a:r>
           </a:p>
           <a:p>
             <a:pPr lvl="1"/>
             <a:r>
-              <a:rPr lang="de-DE" smtClean="0"/>
+              <a:rPr lang="de-DE"/>
               <a:t>Zweite Ebene</a:t>
             </a:r>
           </a:p>
           <a:p>
             <a:pPr lvl="2"/>
             <a:r>
-              <a:rPr lang="de-DE" smtClean="0"/>
+              <a:rPr lang="de-DE"/>
               <a:t>Dritte Ebene</a:t>
             </a:r>
           </a:p>
           <a:p>
             <a:pPr lvl="3"/>
             <a:r>
-              <a:rPr lang="de-DE" smtClean="0"/>
+              <a:rPr lang="de-DE"/>
               <a:t>Vierte Ebene</a:t>
             </a:r>
           </a:p>
           <a:p>
             <a:pPr lvl="4"/>
             <a:r>
-              <a:rPr lang="de-DE" smtClean="0"/>
+              <a:rPr lang="de-DE"/>
               <a:t>Fünfte Ebene</a:t>
             </a:r>
             <a:endParaRPr lang="de-CH"/>
@@ -1543,7 +2006,7 @@
           <a:p>
             <a:pPr lvl="0"/>
             <a:r>
-              <a:rPr lang="de-DE" smtClean="0"/>
+              <a:rPr lang="de-DE"/>
               <a:t>Textmasterformat bearbeiten</a:t>
             </a:r>
           </a:p>
@@ -1571,35 +2034,35 @@
           <a:p>
             <a:pPr lvl="0"/>
             <a:r>
-              <a:rPr lang="de-DE" smtClean="0"/>
+              <a:rPr lang="de-DE"/>
               <a:t>Textmasterformat bearbeiten</a:t>
             </a:r>
           </a:p>
           <a:p>
             <a:pPr lvl="1"/>
             <a:r>
-              <a:rPr lang="de-DE" smtClean="0"/>
+              <a:rPr lang="de-DE"/>
               <a:t>Zweite Ebene</a:t>
             </a:r>
           </a:p>
           <a:p>
             <a:pPr lvl="2"/>
             <a:r>
-              <a:rPr lang="de-DE" smtClean="0"/>
+              <a:rPr lang="de-DE"/>
               <a:t>Dritte Ebene</a:t>
             </a:r>
           </a:p>
           <a:p>
             <a:pPr lvl="3"/>
             <a:r>
-              <a:rPr lang="de-DE" smtClean="0"/>
+              <a:rPr lang="de-DE"/>
               <a:t>Vierte Ebene</a:t>
             </a:r>
           </a:p>
           <a:p>
             <a:pPr lvl="4"/>
             <a:r>
-              <a:rPr lang="de-DE" smtClean="0"/>
+              <a:rPr lang="de-DE"/>
               <a:t>Fünfte Ebene</a:t>
             </a:r>
             <a:endParaRPr lang="de-CH"/>
@@ -1665,7 +2128,7 @@
           <a:p>
             <a:fld id="{BE5B2E26-3929-4A5A-8746-9004F4E2E30D}" type="slidenum">
               <a:rPr lang="de-CH" smtClean="0"/>
-              <a:t>‹Nr.›</a:t>
+              <a:t>‹N°›</a:t>
             </a:fld>
             <a:endParaRPr lang="de-CH"/>
           </a:p>
@@ -1717,7 +2180,7 @@
           <a:lstStyle/>
           <a:p>
             <a:r>
-              <a:rPr lang="de-DE" smtClean="0"/>
+              <a:rPr lang="de-DE"/>
               <a:t>Titelmasterformat durch Klicken bearbeiten</a:t>
             </a:r>
             <a:endParaRPr lang="de-CH"/>
@@ -1783,7 +2246,7 @@
           <a:p>
             <a:fld id="{BE5B2E26-3929-4A5A-8746-9004F4E2E30D}" type="slidenum">
               <a:rPr lang="de-CH" smtClean="0"/>
-              <a:t>‹Nr.›</a:t>
+              <a:t>‹N°›</a:t>
             </a:fld>
             <a:endParaRPr lang="de-CH"/>
           </a:p>
@@ -1878,7 +2341,7 @@
           <a:p>
             <a:fld id="{BE5B2E26-3929-4A5A-8746-9004F4E2E30D}" type="slidenum">
               <a:rPr lang="de-CH" smtClean="0"/>
-              <a:t>‹Nr.›</a:t>
+              <a:t>‹N°›</a:t>
             </a:fld>
             <a:endParaRPr lang="de-CH"/>
           </a:p>
@@ -1939,7 +2402,7 @@
           </a:lstStyle>
           <a:p>
             <a:r>
-              <a:rPr lang="de-DE" smtClean="0"/>
+              <a:rPr lang="de-DE"/>
               <a:t>Titelmasterformat durch Klicken bearbeiten</a:t>
             </a:r>
             <a:endParaRPr lang="de-CH"/>
@@ -1996,35 +2459,35 @@
           <a:p>
             <a:pPr lvl="0"/>
             <a:r>
-              <a:rPr lang="de-DE" smtClean="0"/>
+              <a:rPr lang="de-DE"/>
               <a:t>Textmasterformat bearbeiten</a:t>
             </a:r>
           </a:p>
           <a:p>
             <a:pPr lvl="1"/>
             <a:r>
-              <a:rPr lang="de-DE" smtClean="0"/>
+              <a:rPr lang="de-DE"/>
               <a:t>Zweite Ebene</a:t>
             </a:r>
           </a:p>
           <a:p>
             <a:pPr lvl="2"/>
             <a:r>
-              <a:rPr lang="de-DE" smtClean="0"/>
+              <a:rPr lang="de-DE"/>
               <a:t>Dritte Ebene</a:t>
             </a:r>
           </a:p>
           <a:p>
             <a:pPr lvl="3"/>
             <a:r>
-              <a:rPr lang="de-DE" smtClean="0"/>
+              <a:rPr lang="de-DE"/>
               <a:t>Vierte Ebene</a:t>
             </a:r>
           </a:p>
           <a:p>
             <a:pPr lvl="4"/>
             <a:r>
-              <a:rPr lang="de-DE" smtClean="0"/>
+              <a:rPr lang="de-DE"/>
               <a:t>Fünfte Ebene</a:t>
             </a:r>
             <a:endParaRPr lang="de-CH"/>
@@ -2090,7 +2553,7 @@
           <a:p>
             <a:pPr lvl="0"/>
             <a:r>
-              <a:rPr lang="de-DE" smtClean="0"/>
+              <a:rPr lang="de-DE"/>
               <a:t>Textmasterformat bearbeiten</a:t>
             </a:r>
           </a:p>
@@ -2155,7 +2618,7 @@
           <a:p>
             <a:fld id="{BE5B2E26-3929-4A5A-8746-9004F4E2E30D}" type="slidenum">
               <a:rPr lang="de-CH" smtClean="0"/>
-              <a:t>‹Nr.›</a:t>
+              <a:t>‹N°›</a:t>
             </a:fld>
             <a:endParaRPr lang="de-CH"/>
           </a:p>
@@ -2216,7 +2679,7 @@
           </a:lstStyle>
           <a:p>
             <a:r>
-              <a:rPr lang="de-DE" smtClean="0"/>
+              <a:rPr lang="de-DE"/>
               <a:t>Titelmasterformat durch Klicken bearbeiten</a:t>
             </a:r>
             <a:endParaRPr lang="de-CH"/>
@@ -2343,7 +2806,7 @@
           <a:p>
             <a:pPr lvl="0"/>
             <a:r>
-              <a:rPr lang="de-DE" smtClean="0"/>
+              <a:rPr lang="de-DE"/>
               <a:t>Textmasterformat bearbeiten</a:t>
             </a:r>
           </a:p>
@@ -2408,7 +2871,7 @@
           <a:p>
             <a:fld id="{BE5B2E26-3929-4A5A-8746-9004F4E2E30D}" type="slidenum">
               <a:rPr lang="de-CH" smtClean="0"/>
-              <a:t>‹Nr.›</a:t>
+              <a:t>‹N°›</a:t>
             </a:fld>
             <a:endParaRPr lang="de-CH"/>
           </a:p>
@@ -2475,7 +2938,7 @@
           <a:lstStyle/>
           <a:p>
             <a:r>
-              <a:rPr lang="de-DE" smtClean="0"/>
+              <a:rPr lang="de-DE"/>
               <a:t>Titelmasterformat durch Klicken bearbeiten</a:t>
             </a:r>
             <a:endParaRPr lang="de-CH"/>
@@ -2509,35 +2972,35 @@
           <a:p>
             <a:pPr lvl="0"/>
             <a:r>
-              <a:rPr lang="de-DE" smtClean="0"/>
+              <a:rPr lang="de-DE"/>
               <a:t>Textmasterformat bearbeiten</a:t>
             </a:r>
           </a:p>
           <a:p>
             <a:pPr lvl="1"/>
             <a:r>
-              <a:rPr lang="de-DE" smtClean="0"/>
+              <a:rPr lang="de-DE"/>
               <a:t>Zweite Ebene</a:t>
             </a:r>
           </a:p>
           <a:p>
             <a:pPr lvl="2"/>
             <a:r>
-              <a:rPr lang="de-DE" smtClean="0"/>
+              <a:rPr lang="de-DE"/>
               <a:t>Dritte Ebene</a:t>
             </a:r>
           </a:p>
           <a:p>
             <a:pPr lvl="3"/>
             <a:r>
-              <a:rPr lang="de-DE" smtClean="0"/>
+              <a:rPr lang="de-DE"/>
               <a:t>Vierte Ebene</a:t>
             </a:r>
           </a:p>
           <a:p>
             <a:pPr lvl="4"/>
             <a:r>
-              <a:rPr lang="de-DE" smtClean="0"/>
+              <a:rPr lang="de-DE"/>
               <a:t>Fünfte Ebene</a:t>
             </a:r>
             <a:endParaRPr lang="de-CH"/>
@@ -2657,7 +3120,7 @@
           <a:p>
             <a:fld id="{BE5B2E26-3929-4A5A-8746-9004F4E2E30D}" type="slidenum">
               <a:rPr lang="de-CH" smtClean="0"/>
-              <a:t>‹Nr.›</a:t>
+              <a:t>‹N°›</a:t>
             </a:fld>
             <a:endParaRPr lang="de-CH"/>
           </a:p>
@@ -3000,7 +3463,7 @@
           <a:lstStyle/>
           <a:p>
             <a:r>
-              <a:rPr lang="de-CH" dirty="0" smtClean="0">
+              <a:rPr lang="de-CH" dirty="0">
                 <a:solidFill>
                   <a:srgbClr val="FF0000"/>
                 </a:solidFill>
@@ -3008,7 +3471,7 @@
               <a:t>CS1 - Task 02 SE </a:t>
             </a:r>
             <a:r>
-              <a:rPr lang="de-CH" dirty="0" err="1" smtClean="0">
+              <a:rPr lang="de-CH" dirty="0" err="1">
                 <a:solidFill>
                   <a:srgbClr val="FF0000"/>
                 </a:solidFill>
@@ -3041,44 +3504,44 @@
           <a:lstStyle/>
           <a:p>
             <a:r>
-              <a:rPr lang="de-CH" dirty="0" smtClean="0"/>
+              <a:rPr lang="de-CH" dirty="0"/>
               <a:t>Team </a:t>
             </a:r>
             <a:r>
-              <a:rPr lang="de-CH" dirty="0" err="1" smtClean="0"/>
+              <a:rPr lang="de-CH" dirty="0" err="1"/>
               <a:t>Red</a:t>
             </a:r>
-            <a:endParaRPr lang="de-CH" dirty="0" smtClean="0"/>
-          </a:p>
-          <a:p>
-            <a:endParaRPr lang="de-CH" dirty="0" smtClean="0"/>
-          </a:p>
-          <a:p>
-            <a:endParaRPr lang="de-CH" dirty="0" smtClean="0"/>
-          </a:p>
-          <a:p>
-            <a:r>
-              <a:rPr lang="de-CH" dirty="0" err="1" smtClean="0"/>
+            <a:endParaRPr lang="de-CH" dirty="0"/>
+          </a:p>
+          <a:p>
+            <a:endParaRPr lang="de-CH" dirty="0"/>
+          </a:p>
+          <a:p>
+            <a:endParaRPr lang="de-CH" dirty="0"/>
+          </a:p>
+          <a:p>
+            <a:r>
+              <a:rPr lang="de-CH" dirty="0" err="1"/>
               <a:t>Frehner</a:t>
             </a:r>
             <a:r>
-              <a:rPr lang="de-CH" dirty="0" smtClean="0"/>
+              <a:rPr lang="de-CH" dirty="0"/>
               <a:t>, Hamidi, </a:t>
             </a:r>
             <a:r>
-              <a:rPr lang="de-CH" dirty="0" err="1" smtClean="0"/>
+              <a:rPr lang="de-CH" dirty="0" err="1"/>
               <a:t>Magdub</a:t>
             </a:r>
             <a:r>
-              <a:rPr lang="de-CH" dirty="0" smtClean="0"/>
+              <a:rPr lang="de-CH" dirty="0"/>
               <a:t>, Ramos, </a:t>
             </a:r>
             <a:r>
-              <a:rPr lang="de-CH" dirty="0" err="1" smtClean="0"/>
+              <a:rPr lang="de-CH" dirty="0" err="1"/>
               <a:t>Tangarife</a:t>
             </a:r>
             <a:r>
-              <a:rPr lang="de-CH" dirty="0" smtClean="0"/>
+              <a:rPr lang="de-CH" dirty="0"/>
               <a:t>, Tomic </a:t>
             </a:r>
           </a:p>
@@ -3130,10 +3593,9 @@
           <a:lstStyle/>
           <a:p>
             <a:r>
-              <a:rPr lang="de-CH" dirty="0" smtClean="0"/>
+              <a:rPr lang="de-CH" dirty="0"/>
               <a:t>Content</a:t>
             </a:r>
-            <a:endParaRPr lang="de-CH" dirty="0"/>
           </a:p>
         </p:txBody>
       </p:sp>
@@ -3153,26 +3615,25 @@
           <a:lstStyle/>
           <a:p>
             <a:r>
-              <a:rPr lang="de-CH" dirty="0" smtClean="0"/>
+              <a:rPr lang="de-CH" dirty="0"/>
               <a:t>Plan </a:t>
             </a:r>
             <a:r>
-              <a:rPr lang="de-CH" dirty="0" err="1" smtClean="0"/>
+              <a:rPr lang="de-CH" dirty="0" err="1"/>
               <a:t>driven</a:t>
             </a:r>
             <a:r>
-              <a:rPr lang="de-CH" dirty="0" smtClean="0"/>
+              <a:rPr lang="de-CH" dirty="0"/>
               <a:t> </a:t>
             </a:r>
             <a:r>
-              <a:rPr lang="de-CH" dirty="0" err="1" smtClean="0"/>
+              <a:rPr lang="de-CH" dirty="0" err="1"/>
               <a:t>vs</a:t>
             </a:r>
             <a:r>
-              <a:rPr lang="de-CH" dirty="0" smtClean="0"/>
+              <a:rPr lang="de-CH" dirty="0"/>
               <a:t> Agile</a:t>
             </a:r>
-            <a:endParaRPr lang="de-CH" dirty="0"/>
           </a:p>
         </p:txBody>
       </p:sp>
@@ -3222,26 +3683,25 @@
           <a:lstStyle/>
           <a:p>
             <a:r>
-              <a:rPr lang="de-CH" dirty="0" smtClean="0"/>
+              <a:rPr lang="de-CH" dirty="0"/>
               <a:t>Plan </a:t>
             </a:r>
             <a:r>
-              <a:rPr lang="de-CH" dirty="0" err="1" smtClean="0"/>
+              <a:rPr lang="de-CH" dirty="0" err="1"/>
               <a:t>driven</a:t>
             </a:r>
             <a:r>
-              <a:rPr lang="de-CH" dirty="0" smtClean="0"/>
+              <a:rPr lang="de-CH" dirty="0"/>
               <a:t> </a:t>
             </a:r>
             <a:r>
-              <a:rPr lang="de-CH" dirty="0" err="1" smtClean="0"/>
+              <a:rPr lang="de-CH" dirty="0" err="1"/>
               <a:t>vs</a:t>
             </a:r>
             <a:r>
-              <a:rPr lang="de-CH" dirty="0" smtClean="0"/>
+              <a:rPr lang="de-CH" dirty="0"/>
               <a:t> Agile</a:t>
             </a:r>
-            <a:endParaRPr lang="de-CH" dirty="0"/>
           </a:p>
         </p:txBody>
       </p:sp>
@@ -3271,9 +3731,27 @@
                 <a:tableStyleId>{9DCAF9ED-07DC-4A11-8D7F-57B35C25682E}</a:tableStyleId>
               </a:tblPr>
               <a:tblGrid>
-                <a:gridCol w="3505200"/>
-                <a:gridCol w="3505200"/>
-                <a:gridCol w="3505200"/>
+                <a:gridCol w="3505200">
+                  <a:extLst>
+                    <a:ext uri="{9D8B030D-6E8A-4147-A177-3AD203B41FA5}">
+                      <a16:colId xmlns:a16="http://schemas.microsoft.com/office/drawing/2014/main" val="20000"/>
+                    </a:ext>
+                  </a:extLst>
+                </a:gridCol>
+                <a:gridCol w="3505200">
+                  <a:extLst>
+                    <a:ext uri="{9D8B030D-6E8A-4147-A177-3AD203B41FA5}">
+                      <a16:colId xmlns:a16="http://schemas.microsoft.com/office/drawing/2014/main" val="20001"/>
+                    </a:ext>
+                  </a:extLst>
+                </a:gridCol>
+                <a:gridCol w="3505200">
+                  <a:extLst>
+                    <a:ext uri="{9D8B030D-6E8A-4147-A177-3AD203B41FA5}">
+                      <a16:colId xmlns:a16="http://schemas.microsoft.com/office/drawing/2014/main" val="20002"/>
+                    </a:ext>
+                  </a:extLst>
+                </a:gridCol>
               </a:tblGrid>
               <a:tr h="370840">
                 <a:tc>
@@ -3282,10 +3760,9 @@
                     <a:lstStyle/>
                     <a:p>
                       <a:r>
-                        <a:rPr lang="en-GB" noProof="0" dirty="0" smtClean="0"/>
+                        <a:rPr lang="en-GB" noProof="0" dirty="0"/>
                         <a:t>Process</a:t>
                       </a:r>
-                      <a:endParaRPr lang="en-GB" noProof="0" dirty="0"/>
                     </a:p>
                   </a:txBody>
                   <a:tcPr/>
@@ -3296,10 +3773,9 @@
                     <a:lstStyle/>
                     <a:p>
                       <a:r>
-                        <a:rPr lang="en-GB" noProof="0" dirty="0" smtClean="0"/>
+                        <a:rPr lang="en-GB" noProof="0" dirty="0"/>
                         <a:t>Pro</a:t>
                       </a:r>
-                      <a:endParaRPr lang="en-GB" noProof="0" dirty="0"/>
                     </a:p>
                   </a:txBody>
                   <a:tcPr/>
@@ -3310,13 +3786,18 @@
                     <a:lstStyle/>
                     <a:p>
                       <a:r>
-                        <a:rPr lang="en-GB" noProof="0" dirty="0" smtClean="0"/>
+                        <a:rPr lang="en-GB" noProof="0" dirty="0"/>
                         <a:t>Contra</a:t>
                       </a:r>
                     </a:p>
                   </a:txBody>
                   <a:tcPr/>
                 </a:tc>
+                <a:extLst>
+                  <a:ext uri="{0D108BD9-81ED-4DB2-BD59-A6C34878D82A}">
+                    <a16:rowId xmlns:a16="http://schemas.microsoft.com/office/drawing/2014/main" val="10000"/>
+                  </a:ext>
+                </a:extLst>
               </a:tr>
               <a:tr h="370840">
                 <a:tc>
@@ -3325,8 +3806,171 @@
                     <a:lstStyle/>
                     <a:p>
                       <a:r>
-                        <a:rPr lang="en-GB" noProof="0" dirty="0" smtClean="0"/>
+                        <a:rPr lang="en-GB" noProof="0" dirty="0"/>
                         <a:t>Waterfall</a:t>
+                      </a:r>
+                    </a:p>
+                  </a:txBody>
+                  <a:tcPr/>
+                </a:tc>
+                <a:tc>
+                  <a:txBody>
+                    <a:bodyPr/>
+                    <a:lstStyle/>
+                    <a:p>
+                      <a:pPr marL="285750" indent="-285750">
+                        <a:buFont typeface="Arial" panose="020B0604020202020204" pitchFamily="34" charset="0"/>
+                        <a:buChar char="•"/>
+                      </a:pPr>
+                      <a:r>
+                        <a:rPr lang="en-GB" noProof="0" dirty="0"/>
+                        <a:t>Clear</a:t>
+                      </a:r>
+                      <a:r>
+                        <a:rPr lang="en-GB" baseline="0" noProof="0" dirty="0"/>
+                        <a:t>ly defined timetable</a:t>
+                      </a:r>
+                    </a:p>
+                    <a:p>
+                      <a:pPr marL="285750" indent="-285750">
+                        <a:buFont typeface="Arial" panose="020B0604020202020204" pitchFamily="34" charset="0"/>
+                        <a:buChar char="•"/>
+                      </a:pPr>
+                      <a:r>
+                        <a:rPr lang="en-GB" baseline="0" noProof="0" dirty="0"/>
+                        <a:t>Simple planning of steps</a:t>
+                      </a:r>
+                    </a:p>
+                    <a:p>
+                      <a:pPr marL="285750" indent="-285750">
+                        <a:buFont typeface="Arial" panose="020B0604020202020204" pitchFamily="34" charset="0"/>
+                        <a:buChar char="•"/>
+                      </a:pPr>
+                      <a:r>
+                        <a:rPr lang="en-GB" baseline="0" noProof="0" dirty="0"/>
+                        <a:t>Easy task distribution</a:t>
+                      </a:r>
+                    </a:p>
+                    <a:p>
+                      <a:pPr marL="285750" indent="-285750">
+                        <a:buFont typeface="Arial" panose="020B0604020202020204" pitchFamily="34" charset="0"/>
+                        <a:buChar char="•"/>
+                      </a:pPr>
+                      <a:r>
+                        <a:rPr lang="en-GB" baseline="0" noProof="0" dirty="0"/>
+                        <a:t>Clearly defined goals</a:t>
+                      </a:r>
+                    </a:p>
+                  </a:txBody>
+                  <a:tcPr/>
+                </a:tc>
+                <a:tc>
+                  <a:txBody>
+                    <a:bodyPr/>
+                    <a:lstStyle/>
+                    <a:p>
+                      <a:pPr marL="285750" indent="-285750">
+                        <a:buFont typeface="Arial" panose="020B0604020202020204" pitchFamily="34" charset="0"/>
+                        <a:buChar char="•"/>
+                      </a:pPr>
+                      <a:r>
+                        <a:rPr lang="en-GB" noProof="0" dirty="0"/>
+                        <a:t>Conflicts between groups</a:t>
+                      </a:r>
+                    </a:p>
+                    <a:p>
+                      <a:pPr marL="285750" indent="-285750">
+                        <a:buFont typeface="Arial" panose="020B0604020202020204" pitchFamily="34" charset="0"/>
+                        <a:buChar char="•"/>
+                      </a:pPr>
+                      <a:r>
+                        <a:rPr lang="en-GB" noProof="0" dirty="0"/>
+                        <a:t>Conflicts</a:t>
+                      </a:r>
+                      <a:r>
+                        <a:rPr lang="en-GB" baseline="0" noProof="0" dirty="0"/>
+                        <a:t> with goals result in new planning</a:t>
+                      </a:r>
+                    </a:p>
+                    <a:p>
+                      <a:pPr marL="285750" indent="-285750">
+                        <a:buFont typeface="Arial" panose="020B0604020202020204" pitchFamily="34" charset="0"/>
+                        <a:buChar char="•"/>
+                      </a:pPr>
+                      <a:r>
+                        <a:rPr lang="en-GB" baseline="0" noProof="0" dirty="0"/>
+                        <a:t>Time consuming problems</a:t>
+                      </a:r>
+                    </a:p>
+                    <a:p>
+                      <a:pPr marL="285750" indent="-285750">
+                        <a:buFont typeface="Arial" panose="020B0604020202020204" pitchFamily="34" charset="0"/>
+                        <a:buChar char="•"/>
+                      </a:pPr>
+                      <a:r>
+                        <a:rPr lang="en-GB" baseline="0" noProof="0" dirty="0"/>
+                        <a:t>Not flexible</a:t>
+                      </a:r>
+                    </a:p>
+                  </a:txBody>
+                  <a:tcPr/>
+                </a:tc>
+                <a:extLst>
+                  <a:ext uri="{0D108BD9-81ED-4DB2-BD59-A6C34878D82A}">
+                    <a16:rowId xmlns:a16="http://schemas.microsoft.com/office/drawing/2014/main" val="10001"/>
+                  </a:ext>
+                </a:extLst>
+              </a:tr>
+              <a:tr h="370840">
+                <a:tc>
+                  <a:txBody>
+                    <a:bodyPr/>
+                    <a:lstStyle/>
+                    <a:p>
+                      <a:r>
+                        <a:rPr lang="en-GB" noProof="0" dirty="0"/>
+                        <a:t>Agile</a:t>
+                      </a:r>
+                    </a:p>
+                  </a:txBody>
+                  <a:tcPr/>
+                </a:tc>
+                <a:tc>
+                  <a:txBody>
+                    <a:bodyPr/>
+                    <a:lstStyle/>
+                    <a:p>
+                      <a:pPr marL="285750" indent="-285750">
+                        <a:buFont typeface="Arial" panose="020B0604020202020204" pitchFamily="34" charset="0"/>
+                        <a:buChar char="•"/>
+                      </a:pPr>
+                      <a:r>
+                        <a:rPr lang="en-GB" noProof="0" dirty="0"/>
+                        <a:t>Flexible</a:t>
+                      </a:r>
+                    </a:p>
+                    <a:p>
+                      <a:pPr marL="285750" indent="-285750">
+                        <a:buFont typeface="Arial" panose="020B0604020202020204" pitchFamily="34" charset="0"/>
+                        <a:buChar char="•"/>
+                      </a:pPr>
+                      <a:r>
+                        <a:rPr lang="en-GB" noProof="0" dirty="0"/>
+                        <a:t>Focus</a:t>
+                      </a:r>
+                      <a:r>
+                        <a:rPr lang="en-GB" baseline="0" noProof="0" dirty="0"/>
+                        <a:t> on simple tasks</a:t>
+                      </a:r>
+                    </a:p>
+                    <a:p>
+                      <a:pPr marL="285750" indent="-285750">
+                        <a:buFont typeface="Arial" panose="020B0604020202020204" pitchFamily="34" charset="0"/>
+                        <a:buChar char="•"/>
+                      </a:pPr>
+                      <a:r>
+                        <a:rPr lang="en-GB" baseline="0" noProof="0" dirty="0"/>
+                        <a:t>Better time management </a:t>
                       </a:r>
                       <a:endParaRPr lang="en-GB" noProof="0" dirty="0"/>
                     </a:p>
@@ -3343,12 +3987,8 @@
                         <a:buChar char="•"/>
                       </a:pPr>
                       <a:r>
-                        <a:rPr lang="en-GB" noProof="0" dirty="0" smtClean="0"/>
-                        <a:t>Clear</a:t>
-                      </a:r>
-                      <a:r>
-                        <a:rPr lang="en-GB" baseline="0" noProof="0" dirty="0" smtClean="0"/>
-                        <a:t>ly defined timetable</a:t>
+                        <a:rPr lang="en-GB" noProof="0" dirty="0"/>
+                        <a:t>Lots of meetings</a:t>
                       </a:r>
                     </a:p>
                     <a:p>
@@ -3357,174 +3997,23 @@
                         <a:buChar char="•"/>
                       </a:pPr>
                       <a:r>
-                        <a:rPr lang="en-GB" baseline="0" noProof="0" dirty="0" smtClean="0"/>
-                        <a:t>Simple planning of steps</a:t>
-                      </a:r>
-                    </a:p>
-                    <a:p>
-                      <a:pPr marL="285750" indent="-285750">
-                        <a:buFont typeface="Arial" panose="020B0604020202020204" pitchFamily="34" charset="0"/>
-                        <a:buChar char="•"/>
-                      </a:pPr>
-                      <a:r>
-                        <a:rPr lang="en-GB" baseline="0" noProof="0" dirty="0" smtClean="0"/>
-                        <a:t>Easy task distribution</a:t>
-                      </a:r>
-                    </a:p>
-                    <a:p>
-                      <a:pPr marL="285750" indent="-285750">
-                        <a:buFont typeface="Arial" panose="020B0604020202020204" pitchFamily="34" charset="0"/>
-                        <a:buChar char="•"/>
-                      </a:pPr>
-                      <a:r>
-                        <a:rPr lang="en-GB" baseline="0" noProof="0" dirty="0" smtClean="0"/>
-                        <a:t>Clearly defined goals</a:t>
-                      </a:r>
-                    </a:p>
-                  </a:txBody>
-                  <a:tcPr/>
-                </a:tc>
-                <a:tc>
-                  <a:txBody>
-                    <a:bodyPr/>
-                    <a:lstStyle/>
-                    <a:p>
-                      <a:pPr marL="285750" indent="-285750">
-                        <a:buFont typeface="Arial" panose="020B0604020202020204" pitchFamily="34" charset="0"/>
-                        <a:buChar char="•"/>
-                      </a:pPr>
-                      <a:r>
-                        <a:rPr lang="en-GB" noProof="0" dirty="0" smtClean="0"/>
-                        <a:t>Conflicts between groups</a:t>
-                      </a:r>
-                    </a:p>
-                    <a:p>
-                      <a:pPr marL="285750" indent="-285750">
-                        <a:buFont typeface="Arial" panose="020B0604020202020204" pitchFamily="34" charset="0"/>
-                        <a:buChar char="•"/>
-                      </a:pPr>
-                      <a:r>
-                        <a:rPr lang="en-GB" noProof="0" dirty="0" smtClean="0"/>
-                        <a:t>Conflicts</a:t>
-                      </a:r>
-                      <a:r>
-                        <a:rPr lang="en-GB" baseline="0" noProof="0" dirty="0" smtClean="0"/>
-                        <a:t> with goals result in new planning</a:t>
-                      </a:r>
-                    </a:p>
-                    <a:p>
-                      <a:pPr marL="285750" indent="-285750">
-                        <a:buFont typeface="Arial" panose="020B0604020202020204" pitchFamily="34" charset="0"/>
-                        <a:buChar char="•"/>
-                      </a:pPr>
-                      <a:r>
-                        <a:rPr lang="en-GB" baseline="0" noProof="0" dirty="0" smtClean="0"/>
-                        <a:t>Time consuming problems</a:t>
-                      </a:r>
-                    </a:p>
-                    <a:p>
-                      <a:pPr marL="285750" indent="-285750">
-                        <a:buFont typeface="Arial" panose="020B0604020202020204" pitchFamily="34" charset="0"/>
-                        <a:buChar char="•"/>
-                      </a:pPr>
-                      <a:r>
-                        <a:rPr lang="en-GB" baseline="0" noProof="0" dirty="0" smtClean="0"/>
-                        <a:t>Not flexible</a:t>
-                      </a:r>
-                    </a:p>
-                  </a:txBody>
-                  <a:tcPr/>
-                </a:tc>
-              </a:tr>
-              <a:tr h="370840">
-                <a:tc>
-                  <a:txBody>
-                    <a:bodyPr/>
-                    <a:lstStyle/>
-                    <a:p>
-                      <a:r>
-                        <a:rPr lang="en-GB" noProof="0" dirty="0" smtClean="0"/>
-                        <a:t>Agile</a:t>
+                        <a:rPr lang="en-GB" noProof="0" dirty="0"/>
+                        <a:t>Frequent</a:t>
+                      </a:r>
+                      <a:r>
+                        <a:rPr lang="en-GB" baseline="0" noProof="0" dirty="0"/>
+                        <a:t> changes in requirements and program have an impact on due date and milestones</a:t>
                       </a:r>
                       <a:endParaRPr lang="en-GB" noProof="0" dirty="0"/>
                     </a:p>
                   </a:txBody>
                   <a:tcPr/>
                 </a:tc>
-                <a:tc>
-                  <a:txBody>
-                    <a:bodyPr/>
-                    <a:lstStyle/>
-                    <a:p>
-                      <a:pPr marL="285750" indent="-285750">
-                        <a:buFont typeface="Arial" panose="020B0604020202020204" pitchFamily="34" charset="0"/>
-                        <a:buChar char="•"/>
-                      </a:pPr>
-                      <a:r>
-                        <a:rPr lang="en-GB" noProof="0" dirty="0" smtClean="0"/>
-                        <a:t>Flexible</a:t>
-                      </a:r>
-                    </a:p>
-                    <a:p>
-                      <a:pPr marL="285750" indent="-285750">
-                        <a:buFont typeface="Arial" panose="020B0604020202020204" pitchFamily="34" charset="0"/>
-                        <a:buChar char="•"/>
-                      </a:pPr>
-                      <a:r>
-                        <a:rPr lang="en-GB" noProof="0" dirty="0" smtClean="0"/>
-                        <a:t>Focus</a:t>
-                      </a:r>
-                      <a:r>
-                        <a:rPr lang="en-GB" baseline="0" noProof="0" dirty="0" smtClean="0"/>
-                        <a:t> on simple tasks</a:t>
-                      </a:r>
-                    </a:p>
-                    <a:p>
-                      <a:pPr marL="285750" indent="-285750">
-                        <a:buFont typeface="Arial" panose="020B0604020202020204" pitchFamily="34" charset="0"/>
-                        <a:buChar char="•"/>
-                      </a:pPr>
-                      <a:r>
-                        <a:rPr lang="en-GB" baseline="0" noProof="0" dirty="0" smtClean="0"/>
-                        <a:t>Better time management </a:t>
-                      </a:r>
-                      <a:endParaRPr lang="en-GB" noProof="0" dirty="0"/>
-                    </a:p>
-                  </a:txBody>
-                  <a:tcPr/>
-                </a:tc>
-                <a:tc>
-                  <a:txBody>
-                    <a:bodyPr/>
-                    <a:lstStyle/>
-                    <a:p>
-                      <a:pPr marL="285750" indent="-285750">
-                        <a:buFont typeface="Arial" panose="020B0604020202020204" pitchFamily="34" charset="0"/>
-                        <a:buChar char="•"/>
-                      </a:pPr>
-                      <a:r>
-                        <a:rPr lang="en-GB" noProof="0" dirty="0" smtClean="0"/>
-                        <a:t>Lots of meetings</a:t>
-                      </a:r>
-                    </a:p>
-                    <a:p>
-                      <a:pPr marL="285750" indent="-285750">
-                        <a:buFont typeface="Arial" panose="020B0604020202020204" pitchFamily="34" charset="0"/>
-                        <a:buChar char="•"/>
-                      </a:pPr>
-                      <a:r>
-                        <a:rPr lang="en-GB" noProof="0" dirty="0" smtClean="0"/>
-                        <a:t>Frequent</a:t>
-                      </a:r>
-                      <a:r>
-                        <a:rPr lang="en-GB" baseline="0" noProof="0" dirty="0" smtClean="0"/>
-                        <a:t> changes in requirements and program have an impact on due date and milestones</a:t>
-                      </a:r>
-                      <a:endParaRPr lang="en-GB" noProof="0" dirty="0"/>
-                    </a:p>
-                  </a:txBody>
-                  <a:tcPr/>
-                </a:tc>
+                <a:extLst>
+                  <a:ext uri="{0D108BD9-81ED-4DB2-BD59-A6C34878D82A}">
+                    <a16:rowId xmlns:a16="http://schemas.microsoft.com/office/drawing/2014/main" val="10002"/>
+                  </a:ext>
+                </a:extLst>
               </a:tr>
             </a:tbl>
           </a:graphicData>
@@ -3576,23 +4065,23 @@
           <a:lstStyle/>
           <a:p>
             <a:r>
-              <a:rPr lang="de-CH" dirty="0" err="1" smtClean="0"/>
+              <a:rPr lang="de-CH" dirty="0" err="1"/>
               <a:t>Our</a:t>
             </a:r>
             <a:r>
-              <a:rPr lang="de-CH" dirty="0" smtClean="0"/>
+              <a:rPr lang="de-CH" dirty="0"/>
               <a:t> SE </a:t>
             </a:r>
             <a:r>
-              <a:rPr lang="de-CH" dirty="0" err="1" smtClean="0"/>
+              <a:rPr lang="de-CH" dirty="0" err="1"/>
               <a:t>process</a:t>
             </a:r>
             <a:r>
-              <a:rPr lang="de-CH" dirty="0" smtClean="0"/>
+              <a:rPr lang="de-CH" dirty="0"/>
               <a:t> </a:t>
             </a:r>
             <a:r>
-              <a:rPr lang="de-CH" dirty="0" err="1" smtClean="0"/>
+              <a:rPr lang="de-CH" dirty="0" err="1"/>
               <a:t>analysis</a:t>
             </a:r>
             <a:endParaRPr lang="de-CH" dirty="0"/>
@@ -3609,14 +4098,14 @@
             <p:ph idx="1"/>
             <p:extLst>
               <p:ext uri="{D42A27DB-BD31-4B8C-83A1-F6EECF244321}">
-                <p14:modId xmlns:p14="http://schemas.microsoft.com/office/powerpoint/2010/main" val="1033744243"/>
+                <p14:modId xmlns:p14="http://schemas.microsoft.com/office/powerpoint/2010/main" val="2916597041"/>
               </p:ext>
             </p:extLst>
           </p:nvPr>
         </p:nvGraphicFramePr>
         <p:xfrm>
           <a:off x="838200" y="1825625"/>
-          <a:ext cx="10515600" cy="3643021"/>
+          <a:ext cx="10515600" cy="4186581"/>
         </p:xfrm>
         <a:graphic>
           <a:graphicData uri="http://schemas.openxmlformats.org/drawingml/2006/table">
@@ -3625,11 +4114,41 @@
                 <a:tableStyleId>{9DCAF9ED-07DC-4A11-8D7F-57B35C25682E}</a:tableStyleId>
               </a:tblPr>
               <a:tblGrid>
-                <a:gridCol w="1810732"/>
-                <a:gridCol w="2554664"/>
-                <a:gridCol w="1904214"/>
-                <a:gridCol w="2337848"/>
-                <a:gridCol w="1908142"/>
+                <a:gridCol w="1810732">
+                  <a:extLst>
+                    <a:ext uri="{9D8B030D-6E8A-4147-A177-3AD203B41FA5}">
+                      <a16:colId xmlns:a16="http://schemas.microsoft.com/office/drawing/2014/main" val="20000"/>
+                    </a:ext>
+                  </a:extLst>
+                </a:gridCol>
+                <a:gridCol w="2408260">
+                  <a:extLst>
+                    <a:ext uri="{9D8B030D-6E8A-4147-A177-3AD203B41FA5}">
+                      <a16:colId xmlns:a16="http://schemas.microsoft.com/office/drawing/2014/main" val="20001"/>
+                    </a:ext>
+                  </a:extLst>
+                </a:gridCol>
+                <a:gridCol w="2050618">
+                  <a:extLst>
+                    <a:ext uri="{9D8B030D-6E8A-4147-A177-3AD203B41FA5}">
+                      <a16:colId xmlns:a16="http://schemas.microsoft.com/office/drawing/2014/main" val="20002"/>
+                    </a:ext>
+                  </a:extLst>
+                </a:gridCol>
+                <a:gridCol w="2337848">
+                  <a:extLst>
+                    <a:ext uri="{9D8B030D-6E8A-4147-A177-3AD203B41FA5}">
+                      <a16:colId xmlns:a16="http://schemas.microsoft.com/office/drawing/2014/main" val="20003"/>
+                    </a:ext>
+                  </a:extLst>
+                </a:gridCol>
+                <a:gridCol w="1908142">
+                  <a:extLst>
+                    <a:ext uri="{9D8B030D-6E8A-4147-A177-3AD203B41FA5}">
+                      <a16:colId xmlns:a16="http://schemas.microsoft.com/office/drawing/2014/main" val="20004"/>
+                    </a:ext>
+                  </a:extLst>
+                </a:gridCol>
               </a:tblGrid>
               <a:tr h="427381">
                 <a:tc rowSpan="2">
@@ -3639,10 +4158,9 @@
                     <a:p>
                       <a:pPr algn="ctr"/>
                       <a:r>
-                        <a:rPr lang="en-GB" noProof="0" dirty="0" smtClean="0"/>
+                        <a:rPr lang="en-GB" noProof="0" dirty="0"/>
                         <a:t>Process</a:t>
                       </a:r>
-                      <a:endParaRPr lang="en-GB" noProof="0" dirty="0"/>
                     </a:p>
                   </a:txBody>
                   <a:tcPr anchor="ctr"/>
@@ -3654,11 +4172,11 @@
                     <a:p>
                       <a:pPr algn="ctr"/>
                       <a:r>
-                        <a:rPr lang="en-GB" noProof="0" dirty="0" smtClean="0"/>
+                        <a:rPr lang="en-GB" noProof="0" dirty="0"/>
                         <a:t>Pla</a:t>
                       </a:r>
                       <a:r>
-                        <a:rPr lang="en-GB" baseline="0" noProof="0" dirty="0" smtClean="0"/>
+                        <a:rPr lang="en-GB" baseline="0" noProof="0" dirty="0"/>
                         <a:t>n Driven</a:t>
                       </a:r>
                       <a:endParaRPr lang="en-GB" noProof="0" dirty="0"/>
@@ -3683,7 +4201,7 @@
                     <a:p>
                       <a:pPr algn="ctr"/>
                       <a:r>
-                        <a:rPr lang="en-GB" noProof="0" dirty="0" smtClean="0"/>
+                        <a:rPr lang="en-GB" noProof="0" dirty="0"/>
                         <a:t>Agile</a:t>
                       </a:r>
                     </a:p>
@@ -3700,6 +4218,11 @@
                   </a:txBody>
                   <a:tcPr/>
                 </a:tc>
+                <a:extLst>
+                  <a:ext uri="{0D108BD9-81ED-4DB2-BD59-A6C34878D82A}">
+                    <a16:rowId xmlns:a16="http://schemas.microsoft.com/office/drawing/2014/main" val="10000"/>
+                  </a:ext>
+                </a:extLst>
               </a:tr>
               <a:tr h="370840">
                 <a:tc vMerge="1">
@@ -3719,10 +4242,9 @@
                     <a:p>
                       <a:pPr algn="ctr"/>
                       <a:r>
-                        <a:rPr lang="en-GB" noProof="0" dirty="0" smtClean="0"/>
+                        <a:rPr lang="en-GB" noProof="0" dirty="0"/>
                         <a:t>Pro</a:t>
                       </a:r>
-                      <a:endParaRPr lang="en-GB" noProof="0" dirty="0"/>
                     </a:p>
                   </a:txBody>
                   <a:tcPr anchor="ctr"/>
@@ -3734,10 +4256,9 @@
                     <a:p>
                       <a:pPr algn="ctr"/>
                       <a:r>
-                        <a:rPr lang="en-GB" noProof="0" dirty="0" smtClean="0"/>
+                        <a:rPr lang="en-GB" noProof="0" dirty="0"/>
                         <a:t>Contra</a:t>
                       </a:r>
-                      <a:endParaRPr lang="en-GB" noProof="0" dirty="0"/>
                     </a:p>
                   </a:txBody>
                   <a:tcPr anchor="ctr"/>
@@ -3749,7 +4270,7 @@
                     <a:p>
                       <a:pPr algn="ctr"/>
                       <a:r>
-                        <a:rPr lang="en-GB" noProof="0" dirty="0" smtClean="0"/>
+                        <a:rPr lang="en-GB" noProof="0" dirty="0"/>
                         <a:t>Pro</a:t>
                       </a:r>
                     </a:p>
@@ -3763,13 +4284,18 @@
                     <a:p>
                       <a:pPr algn="ctr"/>
                       <a:r>
-                        <a:rPr lang="en-GB" noProof="0" dirty="0" smtClean="0"/>
+                        <a:rPr lang="en-GB" noProof="0" dirty="0"/>
                         <a:t>Contra</a:t>
                       </a:r>
                     </a:p>
                   </a:txBody>
                   <a:tcPr anchor="ctr"/>
                 </a:tc>
+                <a:extLst>
+                  <a:ext uri="{0D108BD9-81ED-4DB2-BD59-A6C34878D82A}">
+                    <a16:rowId xmlns:a16="http://schemas.microsoft.com/office/drawing/2014/main" val="10001"/>
+                  </a:ext>
+                </a:extLst>
               </a:tr>
               <a:tr h="590694">
                 <a:tc>
@@ -3778,8 +4304,283 @@
                     <a:lstStyle/>
                     <a:p>
                       <a:r>
-                        <a:rPr lang="en-GB" noProof="0" dirty="0" smtClean="0"/>
+                        <a:rPr lang="en-GB" noProof="0" dirty="0"/>
                         <a:t>Costumer</a:t>
+                      </a:r>
+                    </a:p>
+                  </a:txBody>
+                  <a:tcPr/>
+                </a:tc>
+                <a:tc>
+                  <a:txBody>
+                    <a:bodyPr/>
+                    <a:lstStyle/>
+                    <a:p>
+                      <a:pPr marL="285750" indent="-285750">
+                        <a:buFont typeface="Arial" panose="020B0604020202020204" pitchFamily="34" charset="0"/>
+                        <a:buChar char="•"/>
+                      </a:pPr>
+                      <a:r>
+                        <a:rPr lang="en-GB" baseline="0" noProof="0" dirty="0"/>
+                        <a:t>Easy to understand</a:t>
+                      </a:r>
+                    </a:p>
+                    <a:p>
+                      <a:pPr marL="285750" indent="-285750">
+                        <a:buFont typeface="Arial" panose="020B0604020202020204" pitchFamily="34" charset="0"/>
+                        <a:buChar char="•"/>
+                      </a:pPr>
+                      <a:r>
+                        <a:rPr lang="en-GB" baseline="0" noProof="0" dirty="0"/>
+                        <a:t>Clear goals</a:t>
+                      </a:r>
+                    </a:p>
+                  </a:txBody>
+                  <a:tcPr/>
+                </a:tc>
+                <a:tc>
+                  <a:txBody>
+                    <a:bodyPr/>
+                    <a:lstStyle/>
+                    <a:p>
+                      <a:pPr marL="285750" indent="-285750">
+                        <a:buFont typeface="Arial" panose="020B0604020202020204" pitchFamily="34" charset="0"/>
+                        <a:buChar char="•"/>
+                      </a:pPr>
+                      <a:r>
+                        <a:rPr lang="en-GB" baseline="0" noProof="0" dirty="0"/>
+                        <a:t>Not flexible</a:t>
+                      </a:r>
+                    </a:p>
+                    <a:p>
+                      <a:pPr marL="285750" indent="-285750">
+                        <a:buFont typeface="Arial" panose="020B0604020202020204" pitchFamily="34" charset="0"/>
+                        <a:buChar char="•"/>
+                      </a:pPr>
+                      <a:r>
+                        <a:rPr lang="en-GB" baseline="0" noProof="0" dirty="0"/>
+                        <a:t>Can’t change goals</a:t>
+                      </a:r>
+                    </a:p>
+                    <a:p>
+                      <a:pPr marL="285750" indent="-285750">
+                        <a:buFont typeface="Arial" panose="020B0604020202020204" pitchFamily="34" charset="0"/>
+                        <a:buChar char="•"/>
+                      </a:pPr>
+                      <a:r>
+                        <a:rPr lang="en-GB" baseline="0" noProof="0" dirty="0"/>
+                        <a:t>Can’t add requirements</a:t>
+                      </a:r>
+                    </a:p>
+                  </a:txBody>
+                  <a:tcPr/>
+                </a:tc>
+                <a:tc>
+                  <a:txBody>
+                    <a:bodyPr/>
+                    <a:lstStyle/>
+                    <a:p>
+                      <a:pPr marL="285750" indent="-285750">
+                        <a:buFont typeface="Arial" panose="020B0604020202020204" pitchFamily="34" charset="0"/>
+                        <a:buChar char="•"/>
+                      </a:pPr>
+                      <a:r>
+                        <a:rPr lang="en-GB" baseline="0" noProof="0" dirty="0"/>
+                        <a:t>Flexibility</a:t>
+                      </a:r>
+                    </a:p>
+                    <a:p>
+                      <a:pPr marL="285750" indent="-285750">
+                        <a:buFont typeface="Arial" panose="020B0604020202020204" pitchFamily="34" charset="0"/>
+                        <a:buChar char="•"/>
+                      </a:pPr>
+                      <a:r>
+                        <a:rPr lang="en-GB" baseline="0" noProof="0" dirty="0"/>
+                        <a:t>Easy to handle new requirements</a:t>
+                      </a:r>
+                    </a:p>
+                    <a:p>
+                      <a:pPr marL="285750" indent="-285750">
+                        <a:buFont typeface="Arial" panose="020B0604020202020204" pitchFamily="34" charset="0"/>
+                        <a:buChar char="•"/>
+                      </a:pPr>
+                      <a:endParaRPr lang="en-GB" baseline="0" noProof="0" dirty="0"/>
+                    </a:p>
+                  </a:txBody>
+                  <a:tcPr/>
+                </a:tc>
+                <a:tc>
+                  <a:txBody>
+                    <a:bodyPr/>
+                    <a:lstStyle/>
+                    <a:p>
+                      <a:pPr marL="285750" indent="-285750">
+                        <a:buFont typeface="Arial" panose="020B0604020202020204" pitchFamily="34" charset="0"/>
+                        <a:buChar char="•"/>
+                      </a:pPr>
+                      <a:r>
+                        <a:rPr lang="en-GB" baseline="0" noProof="0" dirty="0"/>
+                        <a:t>Few meetings</a:t>
+                      </a:r>
+                    </a:p>
+                    <a:p>
+                      <a:pPr marL="285750" indent="-285750">
+                        <a:buFont typeface="Arial" panose="020B0604020202020204" pitchFamily="34" charset="0"/>
+                        <a:buChar char="•"/>
+                      </a:pPr>
+                      <a:r>
+                        <a:rPr lang="en-GB" baseline="0" noProof="0" dirty="0"/>
+                        <a:t>Time consuming</a:t>
+                      </a:r>
+                    </a:p>
+                  </a:txBody>
+                  <a:tcPr/>
+                </a:tc>
+                <a:extLst>
+                  <a:ext uri="{0D108BD9-81ED-4DB2-BD59-A6C34878D82A}">
+                    <a16:rowId xmlns:a16="http://schemas.microsoft.com/office/drawing/2014/main" val="10002"/>
+                  </a:ext>
+                </a:extLst>
+              </a:tr>
+              <a:tr h="370840">
+                <a:tc>
+                  <a:txBody>
+                    <a:bodyPr/>
+                    <a:lstStyle/>
+                    <a:p>
+                      <a:r>
+                        <a:rPr lang="en-GB" noProof="0" dirty="0"/>
+                        <a:t>User</a:t>
+                      </a:r>
+                    </a:p>
+                  </a:txBody>
+                  <a:tcPr/>
+                </a:tc>
+                <a:tc>
+                  <a:txBody>
+                    <a:bodyPr/>
+                    <a:lstStyle/>
+                    <a:p>
+                      <a:pPr marL="285750" indent="-285750">
+                        <a:buFont typeface="Arial" panose="020B0604020202020204" pitchFamily="34" charset="0"/>
+                        <a:buChar char="•"/>
+                      </a:pPr>
+                      <a:r>
+                        <a:rPr lang="en-GB" baseline="0" noProof="0" dirty="0"/>
+                        <a:t>Know when the program is available</a:t>
+                      </a:r>
+                    </a:p>
+                  </a:txBody>
+                  <a:tcPr/>
+                </a:tc>
+                <a:tc>
+                  <a:txBody>
+                    <a:bodyPr/>
+                    <a:lstStyle/>
+                    <a:p>
+                      <a:pPr marL="285750" indent="-285750">
+                        <a:buFont typeface="Arial" panose="020B0604020202020204" pitchFamily="34" charset="0"/>
+                        <a:buChar char="•"/>
+                      </a:pPr>
+                      <a:r>
+                        <a:rPr lang="en-GB" baseline="0" noProof="0" dirty="0"/>
+                        <a:t>Can’t be user oriented</a:t>
+                      </a:r>
+                    </a:p>
+                  </a:txBody>
+                  <a:tcPr/>
+                </a:tc>
+                <a:tc>
+                  <a:txBody>
+                    <a:bodyPr/>
+                    <a:lstStyle/>
+                    <a:p>
+                      <a:pPr marL="285750" indent="-285750">
+                        <a:buFont typeface="Arial" panose="020B0604020202020204" pitchFamily="34" charset="0"/>
+                        <a:buChar char="•"/>
+                      </a:pPr>
+                      <a:r>
+                        <a:rPr lang="en-GB" baseline="0" noProof="0" dirty="0"/>
+                        <a:t>User oriented program</a:t>
+                      </a:r>
+                    </a:p>
+                  </a:txBody>
+                  <a:tcPr/>
+                </a:tc>
+                <a:tc>
+                  <a:txBody>
+                    <a:bodyPr/>
+                    <a:lstStyle/>
+                    <a:p>
+                      <a:pPr marL="285750" indent="-285750">
+                        <a:buFont typeface="Arial" panose="020B0604020202020204" pitchFamily="34" charset="0"/>
+                        <a:buChar char="•"/>
+                      </a:pPr>
+                      <a:r>
+                        <a:rPr lang="en-GB" baseline="0" noProof="0" dirty="0"/>
+                        <a:t>Complex possibility</a:t>
+                      </a:r>
+                    </a:p>
+                  </a:txBody>
+                  <a:tcPr/>
+                </a:tc>
+                <a:extLst>
+                  <a:ext uri="{0D108BD9-81ED-4DB2-BD59-A6C34878D82A}">
+                    <a16:rowId xmlns:a16="http://schemas.microsoft.com/office/drawing/2014/main" val="10003"/>
+                  </a:ext>
+                </a:extLst>
+              </a:tr>
+              <a:tr h="370840">
+                <a:tc>
+                  <a:txBody>
+                    <a:bodyPr/>
+                    <a:lstStyle/>
+                    <a:p>
+                      <a:r>
+                        <a:rPr lang="en-GB" noProof="0" dirty="0"/>
+                        <a:t>Team</a:t>
+                      </a:r>
+                    </a:p>
+                  </a:txBody>
+                  <a:tcPr/>
+                </a:tc>
+                <a:tc>
+                  <a:txBody>
+                    <a:bodyPr/>
+                    <a:lstStyle/>
+                    <a:p>
+                      <a:pPr marL="285750" indent="-285750">
+                        <a:buFont typeface="Arial" panose="020B0604020202020204" pitchFamily="34" charset="0"/>
+                        <a:buChar char="•"/>
+                      </a:pPr>
+                      <a:r>
+                        <a:rPr lang="en-GB" noProof="0" dirty="0"/>
+                        <a:t>Step</a:t>
+                      </a:r>
+                      <a:r>
+                        <a:rPr lang="en-GB" baseline="0" noProof="0" dirty="0"/>
+                        <a:t> by step procedure</a:t>
+                      </a:r>
+                    </a:p>
+                  </a:txBody>
+                  <a:tcPr/>
+                </a:tc>
+                <a:tc>
+                  <a:txBody>
+                    <a:bodyPr/>
+                    <a:lstStyle/>
+                    <a:p>
+                      <a:pPr marL="285750" indent="-285750">
+                        <a:buFont typeface="Arial" panose="020B0604020202020204" pitchFamily="34" charset="0"/>
+                        <a:buChar char="•"/>
+                      </a:pPr>
+                      <a:r>
+                        <a:rPr lang="en-GB" noProof="0" dirty="0"/>
+                        <a:t>No communication</a:t>
+                      </a:r>
+                      <a:r>
+                        <a:rPr lang="en-GB" baseline="0" noProof="0" dirty="0"/>
+                        <a:t> between </a:t>
                       </a:r>
                       <a:endParaRPr lang="en-GB" noProof="0" dirty="0"/>
                     </a:p>
@@ -3796,131 +4597,20 @@
                         <a:buChar char="•"/>
                       </a:pPr>
                       <a:r>
-                        <a:rPr lang="en-GB" baseline="0" noProof="0" dirty="0" smtClean="0"/>
-                        <a:t>Easy to understand</a:t>
-                      </a:r>
-                    </a:p>
-                    <a:p>
-                      <a:pPr marL="285750" indent="-285750">
-                        <a:buFont typeface="Arial" panose="020B0604020202020204" pitchFamily="34" charset="0"/>
-                        <a:buChar char="•"/>
-                      </a:pPr>
-                      <a:r>
-                        <a:rPr lang="en-GB" baseline="0" noProof="0" dirty="0" smtClean="0"/>
-                        <a:t>Clear goals</a:t>
-                      </a:r>
-                    </a:p>
-                  </a:txBody>
-                  <a:tcPr/>
-                </a:tc>
-                <a:tc>
-                  <a:txBody>
-                    <a:bodyPr/>
-                    <a:lstStyle/>
-                    <a:p>
-                      <a:pPr marL="285750" indent="-285750">
-                        <a:buFont typeface="Arial" panose="020B0604020202020204" pitchFamily="34" charset="0"/>
-                        <a:buChar char="•"/>
-                      </a:pPr>
-                      <a:r>
-                        <a:rPr lang="en-GB" baseline="0" noProof="0" dirty="0" smtClean="0"/>
-                        <a:t>Not flexible</a:t>
-                      </a:r>
-                    </a:p>
-                    <a:p>
-                      <a:pPr marL="285750" indent="-285750">
-                        <a:buFont typeface="Arial" panose="020B0604020202020204" pitchFamily="34" charset="0"/>
-                        <a:buChar char="•"/>
-                      </a:pPr>
-                      <a:r>
-                        <a:rPr lang="en-GB" baseline="0" noProof="0" dirty="0" smtClean="0"/>
-                        <a:t>Can’t change goals</a:t>
-                      </a:r>
-                    </a:p>
-                    <a:p>
-                      <a:pPr marL="285750" indent="-285750">
-                        <a:buFont typeface="Arial" panose="020B0604020202020204" pitchFamily="34" charset="0"/>
-                        <a:buChar char="•"/>
-                      </a:pPr>
-                      <a:r>
-                        <a:rPr lang="en-GB" baseline="0" noProof="0" dirty="0" smtClean="0"/>
-                        <a:t>Can’t add requirements</a:t>
-                      </a:r>
-                    </a:p>
-                  </a:txBody>
-                  <a:tcPr/>
-                </a:tc>
-                <a:tc>
-                  <a:txBody>
-                    <a:bodyPr/>
-                    <a:lstStyle/>
-                    <a:p>
-                      <a:pPr marL="285750" indent="-285750">
-                        <a:buFont typeface="Arial" panose="020B0604020202020204" pitchFamily="34" charset="0"/>
-                        <a:buChar char="•"/>
-                      </a:pPr>
-                      <a:r>
-                        <a:rPr lang="en-GB" baseline="0" noProof="0" dirty="0" smtClean="0"/>
-                        <a:t>Flexibility</a:t>
-                      </a:r>
-                    </a:p>
-                    <a:p>
-                      <a:pPr marL="285750" indent="-285750">
-                        <a:buFont typeface="Arial" panose="020B0604020202020204" pitchFamily="34" charset="0"/>
-                        <a:buChar char="•"/>
-                      </a:pPr>
-                      <a:r>
-                        <a:rPr lang="en-GB" baseline="0" noProof="0" dirty="0" smtClean="0"/>
-                        <a:t>Easy to handle new requirements</a:t>
-                      </a:r>
-                    </a:p>
-                    <a:p>
-                      <a:pPr marL="285750" indent="-285750">
-                        <a:buFont typeface="Arial" panose="020B0604020202020204" pitchFamily="34" charset="0"/>
-                        <a:buChar char="•"/>
-                      </a:pPr>
-                      <a:endParaRPr lang="en-GB" baseline="0" noProof="0" dirty="0" smtClean="0"/>
-                    </a:p>
-                  </a:txBody>
-                  <a:tcPr/>
-                </a:tc>
-                <a:tc>
-                  <a:txBody>
-                    <a:bodyPr/>
-                    <a:lstStyle/>
-                    <a:p>
-                      <a:pPr marL="285750" indent="-285750">
-                        <a:buFont typeface="Arial" panose="020B0604020202020204" pitchFamily="34" charset="0"/>
-                        <a:buChar char="•"/>
-                      </a:pPr>
-                      <a:r>
-                        <a:rPr lang="en-GB" baseline="0" noProof="0" dirty="0" smtClean="0"/>
-                        <a:t>Few meetings</a:t>
-                      </a:r>
-                    </a:p>
-                    <a:p>
-                      <a:pPr marL="285750" indent="-285750">
-                        <a:buFont typeface="Arial" panose="020B0604020202020204" pitchFamily="34" charset="0"/>
-                        <a:buChar char="•"/>
-                      </a:pPr>
-                      <a:r>
-                        <a:rPr lang="en-GB" baseline="0" noProof="0" dirty="0" smtClean="0"/>
-                        <a:t>Time consuming</a:t>
-                      </a:r>
-                    </a:p>
-                  </a:txBody>
-                  <a:tcPr/>
-                </a:tc>
-              </a:tr>
-              <a:tr h="370840">
-                <a:tc>
-                  <a:txBody>
-                    <a:bodyPr/>
-                    <a:lstStyle/>
-                    <a:p>
-                      <a:r>
-                        <a:rPr lang="en-GB" noProof="0" dirty="0" smtClean="0"/>
-                        <a:t>User</a:t>
+                        <a:rPr lang="en-GB" noProof="0" dirty="0"/>
+                        <a:t>Know</a:t>
+                      </a:r>
+                      <a:r>
+                        <a:rPr lang="en-GB" baseline="0" noProof="0" dirty="0"/>
+                        <a:t> the </a:t>
+                      </a:r>
+                      <a:r>
+                        <a:rPr lang="en-GB" baseline="0" noProof="0" dirty="0" err="1"/>
+                        <a:t>complet</a:t>
+                      </a:r>
+                      <a:r>
+                        <a:rPr lang="en-GB" baseline="0" noProof="0" dirty="0"/>
+                        <a:t> project</a:t>
                       </a:r>
                       <a:endParaRPr lang="en-GB" noProof="0" dirty="0"/>
                     </a:p>
@@ -3936,56 +4626,16 @@
                         <a:buFont typeface="Arial" panose="020B0604020202020204" pitchFamily="34" charset="0"/>
                         <a:buChar char="•"/>
                       </a:pPr>
-                      <a:endParaRPr lang="en-GB" baseline="0" noProof="0" dirty="0" smtClean="0"/>
+                      <a:endParaRPr lang="en-GB" noProof="0" dirty="0"/>
                     </a:p>
                   </a:txBody>
                   <a:tcPr/>
                 </a:tc>
-                <a:tc>
-                  <a:txBody>
-                    <a:bodyPr/>
-                    <a:lstStyle/>
-                    <a:p>
-                      <a:pPr marL="285750" indent="-285750">
-                        <a:buFont typeface="Arial" panose="020B0604020202020204" pitchFamily="34" charset="0"/>
-                        <a:buChar char="•"/>
-                      </a:pPr>
-                      <a:endParaRPr lang="en-GB" baseline="0" noProof="0" dirty="0" smtClean="0"/>
-                    </a:p>
-                  </a:txBody>
-                  <a:tcPr/>
-                </a:tc>
-                <a:tc>
-                  <a:txBody>
-                    <a:bodyPr/>
-                    <a:lstStyle/>
-                    <a:p>
-                      <a:pPr marL="285750" indent="-285750">
-                        <a:buFont typeface="Arial" panose="020B0604020202020204" pitchFamily="34" charset="0"/>
-                        <a:buChar char="•"/>
-                      </a:pPr>
-                      <a:r>
-                        <a:rPr lang="en-GB" baseline="0" noProof="0" dirty="0" smtClean="0"/>
-                        <a:t>User oriented program</a:t>
-                      </a:r>
-                    </a:p>
-                  </a:txBody>
-                  <a:tcPr/>
-                </a:tc>
-                <a:tc>
-                  <a:txBody>
-                    <a:bodyPr/>
-                    <a:lstStyle/>
-                    <a:p>
-                      <a:pPr marL="285750" indent="-285750">
-                        <a:buFont typeface="Arial" panose="020B0604020202020204" pitchFamily="34" charset="0"/>
-                        <a:buChar char="•"/>
-                      </a:pPr>
-                      <a:endParaRPr lang="en-GB" baseline="0" noProof="0" dirty="0" smtClean="0"/>
-                    </a:p>
-                  </a:txBody>
-                  <a:tcPr/>
-                </a:tc>
+                <a:extLst>
+                  <a:ext uri="{0D108BD9-81ED-4DB2-BD59-A6C34878D82A}">
+                    <a16:rowId xmlns:a16="http://schemas.microsoft.com/office/drawing/2014/main" val="10004"/>
+                  </a:ext>
+                </a:extLst>
               </a:tr>
               <a:tr h="370840">
                 <a:tc>
@@ -3994,10 +4644,9 @@
                     <a:lstStyle/>
                     <a:p>
                       <a:r>
-                        <a:rPr lang="en-GB" noProof="0" dirty="0" smtClean="0"/>
-                        <a:t>Team</a:t>
-                      </a:r>
-                      <a:endParaRPr lang="en-GB" noProof="0" dirty="0"/>
+                        <a:rPr lang="en-GB" noProof="0" dirty="0"/>
+                        <a:t>Resources</a:t>
+                      </a:r>
                     </a:p>
                   </a:txBody>
                   <a:tcPr/>
@@ -4058,78 +4707,11 @@
                   </a:txBody>
                   <a:tcPr/>
                 </a:tc>
-              </a:tr>
-              <a:tr h="370840">
-                <a:tc>
-                  <a:txBody>
-                    <a:bodyPr/>
-                    <a:lstStyle/>
-                    <a:p>
-                      <a:r>
-                        <a:rPr lang="en-GB" noProof="0" dirty="0" smtClean="0"/>
-                        <a:t>Resources</a:t>
-                      </a:r>
-                      <a:endParaRPr lang="en-GB" noProof="0" dirty="0"/>
-                    </a:p>
-                  </a:txBody>
-                  <a:tcPr/>
-                </a:tc>
-                <a:tc>
-                  <a:txBody>
-                    <a:bodyPr/>
-                    <a:lstStyle/>
-                    <a:p>
-                      <a:pPr marL="285750" indent="-285750">
-                        <a:buFont typeface="Arial" panose="020B0604020202020204" pitchFamily="34" charset="0"/>
-                        <a:buChar char="•"/>
-                      </a:pPr>
-                      <a:endParaRPr lang="en-GB" noProof="0" dirty="0"/>
-                    </a:p>
-                  </a:txBody>
-                  <a:tcPr/>
-                </a:tc>
-                <a:tc>
-                  <a:txBody>
-                    <a:bodyPr/>
-                    <a:lstStyle/>
-                    <a:p>
-                      <a:pPr marL="285750" indent="-285750">
-                        <a:buFont typeface="Arial" panose="020B0604020202020204" pitchFamily="34" charset="0"/>
-                        <a:buChar char="•"/>
-                      </a:pPr>
-                      <a:endParaRPr lang="en-GB" noProof="0" dirty="0"/>
-                    </a:p>
-                  </a:txBody>
-                  <a:tcPr/>
-                </a:tc>
-                <a:tc>
-                  <a:txBody>
-                    <a:bodyPr/>
-                    <a:lstStyle/>
-                    <a:p>
-                      <a:pPr marL="285750" indent="-285750">
-                        <a:buFont typeface="Arial" panose="020B0604020202020204" pitchFamily="34" charset="0"/>
-                        <a:buChar char="•"/>
-                      </a:pPr>
-                      <a:endParaRPr lang="en-GB" noProof="0" dirty="0"/>
-                    </a:p>
-                  </a:txBody>
-                  <a:tcPr/>
-                </a:tc>
-                <a:tc>
-                  <a:txBody>
-                    <a:bodyPr/>
-                    <a:lstStyle/>
-                    <a:p>
-                      <a:pPr marL="285750" indent="-285750">
-                        <a:buFont typeface="Arial" panose="020B0604020202020204" pitchFamily="34" charset="0"/>
-                        <a:buChar char="•"/>
-                      </a:pPr>
-                      <a:endParaRPr lang="en-GB" noProof="0" dirty="0"/>
-                    </a:p>
-                  </a:txBody>
-                  <a:tcPr/>
-                </a:tc>
+                <a:extLst>
+                  <a:ext uri="{0D108BD9-81ED-4DB2-BD59-A6C34878D82A}">
+                    <a16:rowId xmlns:a16="http://schemas.microsoft.com/office/drawing/2014/main" val="10005"/>
+                  </a:ext>
+                </a:extLst>
               </a:tr>
             </a:tbl>
           </a:graphicData>
@@ -4181,18 +4763,17 @@
           <a:lstStyle/>
           <a:p>
             <a:r>
-              <a:rPr lang="de-CH" dirty="0" smtClean="0"/>
+              <a:rPr lang="de-CH" dirty="0"/>
               <a:t>Customers </a:t>
             </a:r>
             <a:r>
-              <a:rPr lang="de-CH" dirty="0" err="1" smtClean="0"/>
+              <a:rPr lang="de-CH" dirty="0" err="1"/>
               <a:t>and</a:t>
             </a:r>
             <a:r>
-              <a:rPr lang="de-CH" dirty="0" smtClean="0"/>
+              <a:rPr lang="de-CH" dirty="0"/>
               <a:t> Users</a:t>
             </a:r>
-            <a:endParaRPr lang="de-CH" dirty="0"/>
           </a:p>
         </p:txBody>
       </p:sp>
@@ -4487,4 +5068,299 @@
     </a:ext>
   </a:extLst>
 </a:theme>
+</file>
+
+<file path=ppt/theme/theme2.xml><?xml version="1.0" encoding="utf-8"?>
+<a:theme xmlns:a="http://schemas.openxmlformats.org/drawingml/2006/main" name="Thème Office">
+  <a:themeElements>
+    <a:clrScheme name="Office">
+      <a:dk1>
+        <a:sysClr val="windowText" lastClr="000000"/>
+      </a:dk1>
+      <a:lt1>
+        <a:sysClr val="window" lastClr="FFFFFF"/>
+      </a:lt1>
+      <a:dk2>
+        <a:srgbClr val="44546A"/>
+      </a:dk2>
+      <a:lt2>
+        <a:srgbClr val="E7E6E6"/>
+      </a:lt2>
+      <a:accent1>
+        <a:srgbClr val="5B9BD5"/>
+      </a:accent1>
+      <a:accent2>
+        <a:srgbClr val="ED7D31"/>
+      </a:accent2>
+      <a:accent3>
+        <a:srgbClr val="A5A5A5"/>
+      </a:accent3>
+      <a:accent4>
+        <a:srgbClr val="FFC000"/>
+      </a:accent4>
+      <a:accent5>
+        <a:srgbClr val="4472C4"/>
+      </a:accent5>
+      <a:accent6>
+        <a:srgbClr val="70AD47"/>
+      </a:accent6>
+      <a:hlink>
+        <a:srgbClr val="0563C1"/>
+      </a:hlink>
+      <a:folHlink>
+        <a:srgbClr val="954F72"/>
+      </a:folHlink>
+    </a:clrScheme>
+    <a:fontScheme name="Office">
+      <a:majorFont>
+        <a:latin typeface="Calibri Light" panose="020F0302020204030204"/>
+        <a:ea typeface=""/>
+        <a:cs typeface=""/>
+        <a:font script="Jpan" typeface="游ゴシック Light"/>
+        <a:font script="Hang" typeface="맑은 고딕"/>
+        <a:font script="Hans" typeface="等线 Light"/>
+        <a:font script="Hant" typeface="新細明體"/>
+        <a:font script="Arab" typeface="Times New Roman"/>
+        <a:font script="Hebr" typeface="Times New Roman"/>
+        <a:font script="Thai" typeface="Angsana New"/>
+        <a:font script="Ethi" typeface="Nyala"/>
+        <a:font script="Beng" typeface="Vrinda"/>
+        <a:font script="Gujr" typeface="Shruti"/>
+        <a:font script="Khmr" typeface="MoolBoran"/>
+        <a:font script="Knda" typeface="Tunga"/>
+        <a:font script="Guru" typeface="Raavi"/>
+        <a:font script="Cans" typeface="Euphemia"/>
+        <a:font script="Cher" typeface="Plantagenet Cherokee"/>
+        <a:font script="Yiii" typeface="Microsoft Yi Baiti"/>
+        <a:font script="Tibt" typeface="Microsoft Himalaya"/>
+        <a:font script="Thaa" typeface="MV Boli"/>
+        <a:font script="Deva" typeface="Mangal"/>
+        <a:font script="Telu" typeface="Gautami"/>
+        <a:font script="Taml" typeface="Latha"/>
+        <a:font script="Syrc" typeface="Estrangelo Edessa"/>
+        <a:font script="Orya" typeface="Kalinga"/>
+        <a:font script="Mlym" typeface="Kartika"/>
+        <a:font script="Laoo" typeface="DokChampa"/>
+        <a:font script="Sinh" typeface="Iskoola Pota"/>
+        <a:font script="Mong" typeface="Mongolian Baiti"/>
+        <a:font script="Viet" typeface="Times New Roman"/>
+        <a:font script="Uigh" typeface="Microsoft Uighur"/>
+        <a:font script="Geor" typeface="Sylfaen"/>
+        <a:font script="Armn" typeface="Arial"/>
+        <a:font script="Bugi" typeface="Leelawadee UI"/>
+        <a:font script="Bopo" typeface="Microsoft JhengHei"/>
+        <a:font script="Java" typeface="Javanese Text"/>
+        <a:font script="Lisu" typeface="Segoe UI"/>
+        <a:font script="Mymr" typeface="Myanmar Text"/>
+        <a:font script="Nkoo" typeface="Ebrima"/>
+        <a:font script="Olck" typeface="Nirmala UI"/>
+        <a:font script="Osma" typeface="Ebrima"/>
+        <a:font script="Phag" typeface="Phagspa"/>
+        <a:font script="Syrn" typeface="Estrangelo Edessa"/>
+        <a:font script="Syrj" typeface="Estrangelo Edessa"/>
+        <a:font script="Syre" typeface="Estrangelo Edessa"/>
+        <a:font script="Sora" typeface="Nirmala UI"/>
+        <a:font script="Tale" typeface="Microsoft Tai Le"/>
+        <a:font script="Talu" typeface="Microsoft New Tai Lue"/>
+        <a:font script="Tfng" typeface="Ebrima"/>
+      </a:majorFont>
+      <a:minorFont>
+        <a:latin typeface="Calibri" panose="020F0502020204030204"/>
+        <a:ea typeface=""/>
+        <a:cs typeface=""/>
+        <a:font script="Jpan" typeface="游ゴシック"/>
+        <a:font script="Hang" typeface="맑은 고딕"/>
+        <a:font script="Hans" typeface="等线"/>
+        <a:font script="Hant" typeface="新細明體"/>
+        <a:font script="Arab" typeface="Arial"/>
+        <a:font script="Hebr" typeface="Arial"/>
+        <a:font script="Thai" typeface="Cordia New"/>
+        <a:font script="Ethi" typeface="Nyala"/>
+        <a:font script="Beng" typeface="Vrinda"/>
+        <a:font script="Gujr" typeface="Shruti"/>
+        <a:font script="Khmr" typeface="DaunPenh"/>
+        <a:font script="Knda" typeface="Tunga"/>
+        <a:font script="Guru" typeface="Raavi"/>
+        <a:font script="Cans" typeface="Euphemia"/>
+        <a:font script="Cher" typeface="Plantagenet Cherokee"/>
+        <a:font script="Yiii" typeface="Microsoft Yi Baiti"/>
+        <a:font script="Tibt" typeface="Microsoft Himalaya"/>
+        <a:font script="Thaa" typeface="MV Boli"/>
+        <a:font script="Deva" typeface="Mangal"/>
+        <a:font script="Telu" typeface="Gautami"/>
+        <a:font script="Taml" typeface="Latha"/>
+        <a:font script="Syrc" typeface="Estrangelo Edessa"/>
+        <a:font script="Orya" typeface="Kalinga"/>
+        <a:font script="Mlym" typeface="Kartika"/>
+        <a:font script="Laoo" typeface="DokChampa"/>
+        <a:font script="Sinh" typeface="Iskoola Pota"/>
+        <a:font script="Mong" typeface="Mongolian Baiti"/>
+        <a:font script="Viet" typeface="Arial"/>
+        <a:font script="Uigh" typeface="Microsoft Uighur"/>
+        <a:font script="Geor" typeface="Sylfaen"/>
+        <a:font script="Armn" typeface="Arial"/>
+        <a:font script="Bugi" typeface="Leelawadee UI"/>
+        <a:font script="Bopo" typeface="Microsoft JhengHei"/>
+        <a:font script="Java" typeface="Javanese Text"/>
+        <a:font script="Lisu" typeface="Segoe UI"/>
+        <a:font script="Mymr" typeface="Myanmar Text"/>
+        <a:font script="Nkoo" typeface="Ebrima"/>
+        <a:font script="Olck" typeface="Nirmala UI"/>
+        <a:font script="Osma" typeface="Ebrima"/>
+        <a:font script="Phag" typeface="Phagspa"/>
+        <a:font script="Syrn" typeface="Estrangelo Edessa"/>
+        <a:font script="Syrj" typeface="Estrangelo Edessa"/>
+        <a:font script="Syre" typeface="Estrangelo Edessa"/>
+        <a:font script="Sora" typeface="Nirmala UI"/>
+        <a:font script="Tale" typeface="Microsoft Tai Le"/>
+        <a:font script="Talu" typeface="Microsoft New Tai Lue"/>
+        <a:font script="Tfng" typeface="Ebrima"/>
+      </a:minorFont>
+    </a:fontScheme>
+    <a:fmtScheme name="Office">
+      <a:fillStyleLst>
+        <a:solidFill>
+          <a:schemeClr val="phClr"/>
+        </a:solidFill>
+        <a:gradFill rotWithShape="1">
+          <a:gsLst>
+            <a:gs pos="0">
+              <a:schemeClr val="phClr">
+                <a:lumMod val="110000"/>
+                <a:satMod val="105000"/>
+                <a:tint val="67000"/>
+              </a:schemeClr>
+            </a:gs>
+            <a:gs pos="50000">
+              <a:schemeClr val="phClr">
+                <a:lumMod val="105000"/>
+                <a:satMod val="103000"/>
+                <a:tint val="73000"/>
+              </a:schemeClr>
+            </a:gs>
+            <a:gs pos="100000">
+              <a:schemeClr val="phClr">
+                <a:lumMod val="105000"/>
+                <a:satMod val="109000"/>
+                <a:tint val="81000"/>
+              </a:schemeClr>
+            </a:gs>
+          </a:gsLst>
+          <a:lin ang="5400000" scaled="0"/>
+        </a:gradFill>
+        <a:gradFill rotWithShape="1">
+          <a:gsLst>
+            <a:gs pos="0">
+              <a:schemeClr val="phClr">
+                <a:satMod val="103000"/>
+                <a:lumMod val="102000"/>
+                <a:tint val="94000"/>
+              </a:schemeClr>
+            </a:gs>
+            <a:gs pos="50000">
+              <a:schemeClr val="phClr">
+                <a:satMod val="110000"/>
+                <a:lumMod val="100000"/>
+                <a:shade val="100000"/>
+              </a:schemeClr>
+            </a:gs>
+            <a:gs pos="100000">
+              <a:schemeClr val="phClr">
+                <a:lumMod val="99000"/>
+                <a:satMod val="120000"/>
+                <a:shade val="78000"/>
+              </a:schemeClr>
+            </a:gs>
+          </a:gsLst>
+          <a:lin ang="5400000" scaled="0"/>
+        </a:gradFill>
+      </a:fillStyleLst>
+      <a:lnStyleLst>
+        <a:ln w="6350" cap="flat" cmpd="sng" algn="ctr">
+          <a:solidFill>
+            <a:schemeClr val="phClr"/>
+          </a:solidFill>
+          <a:prstDash val="solid"/>
+          <a:miter lim="800000"/>
+        </a:ln>
+        <a:ln w="12700" cap="flat" cmpd="sng" algn="ctr">
+          <a:solidFill>
+            <a:schemeClr val="phClr"/>
+          </a:solidFill>
+          <a:prstDash val="solid"/>
+          <a:miter lim="800000"/>
+        </a:ln>
+        <a:ln w="19050" cap="flat" cmpd="sng" algn="ctr">
+          <a:solidFill>
+            <a:schemeClr val="phClr"/>
+          </a:solidFill>
+          <a:prstDash val="solid"/>
+          <a:miter lim="800000"/>
+        </a:ln>
+      </a:lnStyleLst>
+      <a:effectStyleLst>
+        <a:effectStyle>
+          <a:effectLst/>
+        </a:effectStyle>
+        <a:effectStyle>
+          <a:effectLst/>
+        </a:effectStyle>
+        <a:effectStyle>
+          <a:effectLst>
+            <a:outerShdw blurRad="57150" dist="19050" dir="5400000" algn="ctr" rotWithShape="0">
+              <a:srgbClr val="000000">
+                <a:alpha val="63000"/>
+              </a:srgbClr>
+            </a:outerShdw>
+          </a:effectLst>
+        </a:effectStyle>
+      </a:effectStyleLst>
+      <a:bgFillStyleLst>
+        <a:solidFill>
+          <a:schemeClr val="phClr"/>
+        </a:solidFill>
+        <a:solidFill>
+          <a:schemeClr val="phClr">
+            <a:tint val="95000"/>
+            <a:satMod val="170000"/>
+          </a:schemeClr>
+        </a:solidFill>
+        <a:gradFill rotWithShape="1">
+          <a:gsLst>
+            <a:gs pos="0">
+              <a:schemeClr val="phClr">
+                <a:tint val="93000"/>
+                <a:satMod val="150000"/>
+                <a:shade val="98000"/>
+                <a:lumMod val="102000"/>
+              </a:schemeClr>
+            </a:gs>
+            <a:gs pos="50000">
+              <a:schemeClr val="phClr">
+                <a:tint val="98000"/>
+                <a:satMod val="130000"/>
+                <a:shade val="90000"/>
+                <a:lumMod val="103000"/>
+              </a:schemeClr>
+            </a:gs>
+            <a:gs pos="100000">
+              <a:schemeClr val="phClr">
+                <a:shade val="63000"/>
+                <a:satMod val="120000"/>
+              </a:schemeClr>
+            </a:gs>
+          </a:gsLst>
+          <a:lin ang="5400000" scaled="0"/>
+        </a:gradFill>
+      </a:bgFillStyleLst>
+    </a:fmtScheme>
+  </a:themeElements>
+  <a:objectDefaults/>
+  <a:extraClrSchemeLst/>
+  <a:extLst>
+    <a:ext uri="{05A4C25C-085E-4340-85A3-A5531E510DB2}">
+      <thm15:themeFamily xmlns:thm15="http://schemas.microsoft.com/office/thememl/2012/main" name="Office Theme" id="{62F939B6-93AF-4DB8-9C6B-D6C7DFDC589F}" vid="{4A3C46E8-61CC-4603-A589-7422A47A8E4A}"/>
+    </a:ext>
+  </a:extLst>
+</a:theme>
 </file>
--- a/doc/task2/red_task2.pptx
+++ b/doc/task2/red_task2.pptx
@@ -4098,14 +4098,14 @@
             <p:ph idx="1"/>
             <p:extLst>
               <p:ext uri="{D42A27DB-BD31-4B8C-83A1-F6EECF244321}">
-                <p14:modId xmlns:p14="http://schemas.microsoft.com/office/powerpoint/2010/main" val="2916597041"/>
+                <p14:modId xmlns:p14="http://schemas.microsoft.com/office/powerpoint/2010/main" val="1944769968"/>
               </p:ext>
             </p:extLst>
           </p:nvPr>
         </p:nvGraphicFramePr>
         <p:xfrm>
           <a:off x="838200" y="1825625"/>
-          <a:ext cx="10515600" cy="4186581"/>
+          <a:ext cx="10515600" cy="4364381"/>
         </p:xfrm>
         <a:graphic>
           <a:graphicData uri="http://schemas.openxmlformats.org/drawingml/2006/table">
@@ -4158,7 +4158,7 @@
                     <a:p>
                       <a:pPr algn="ctr"/>
                       <a:r>
-                        <a:rPr lang="en-GB" noProof="0" dirty="0"/>
+                        <a:rPr lang="en-GB" sz="1400" noProof="0" dirty="0"/>
                         <a:t>Process</a:t>
                       </a:r>
                     </a:p>
@@ -4172,14 +4172,14 @@
                     <a:p>
                       <a:pPr algn="ctr"/>
                       <a:r>
-                        <a:rPr lang="en-GB" noProof="0" dirty="0"/>
+                        <a:rPr lang="en-GB" sz="1400" noProof="0" dirty="0"/>
                         <a:t>Pla</a:t>
                       </a:r>
                       <a:r>
-                        <a:rPr lang="en-GB" baseline="0" noProof="0" dirty="0"/>
+                        <a:rPr lang="en-GB" sz="1400" baseline="0" noProof="0" dirty="0"/>
                         <a:t>n Driven</a:t>
                       </a:r>
-                      <a:endParaRPr lang="en-GB" noProof="0" dirty="0"/>
+                      <a:endParaRPr lang="en-GB" sz="1400" noProof="0" dirty="0"/>
                     </a:p>
                   </a:txBody>
                   <a:tcPr/>
@@ -4201,7 +4201,7 @@
                     <a:p>
                       <a:pPr algn="ctr"/>
                       <a:r>
-                        <a:rPr lang="en-GB" noProof="0" dirty="0"/>
+                        <a:rPr lang="en-GB" sz="1400" noProof="0" dirty="0"/>
                         <a:t>Agile</a:t>
                       </a:r>
                     </a:p>
@@ -4242,7 +4242,7 @@
                     <a:p>
                       <a:pPr algn="ctr"/>
                       <a:r>
-                        <a:rPr lang="en-GB" noProof="0" dirty="0"/>
+                        <a:rPr lang="en-GB" sz="1400" noProof="0" dirty="0"/>
                         <a:t>Pro</a:t>
                       </a:r>
                     </a:p>
@@ -4256,7 +4256,7 @@
                     <a:p>
                       <a:pPr algn="ctr"/>
                       <a:r>
-                        <a:rPr lang="en-GB" noProof="0" dirty="0"/>
+                        <a:rPr lang="en-GB" sz="1400" noProof="0" dirty="0"/>
                         <a:t>Contra</a:t>
                       </a:r>
                     </a:p>
@@ -4270,7 +4270,7 @@
                     <a:p>
                       <a:pPr algn="ctr"/>
                       <a:r>
-                        <a:rPr lang="en-GB" noProof="0" dirty="0"/>
+                        <a:rPr lang="en-GB" sz="1400" noProof="0" dirty="0"/>
                         <a:t>Pro</a:t>
                       </a:r>
                     </a:p>
@@ -4284,7 +4284,7 @@
                     <a:p>
                       <a:pPr algn="ctr"/>
                       <a:r>
-                        <a:rPr lang="en-GB" noProof="0" dirty="0"/>
+                        <a:rPr lang="en-GB" sz="1400" noProof="0" dirty="0"/>
                         <a:t>Contra</a:t>
                       </a:r>
                     </a:p>
@@ -4304,7 +4304,7 @@
                     <a:lstStyle/>
                     <a:p>
                       <a:r>
-                        <a:rPr lang="en-GB" noProof="0" dirty="0"/>
+                        <a:rPr lang="en-GB" sz="1400" noProof="0" dirty="0"/>
                         <a:t>Costumer</a:t>
                       </a:r>
                     </a:p>
@@ -4321,7 +4321,7 @@
                         <a:buChar char="•"/>
                       </a:pPr>
                       <a:r>
-                        <a:rPr lang="en-GB" baseline="0" noProof="0" dirty="0"/>
+                        <a:rPr lang="en-GB" sz="1400" baseline="0" noProof="0" dirty="0"/>
                         <a:t>Easy to understand</a:t>
                       </a:r>
                     </a:p>
@@ -4331,7 +4331,7 @@
                         <a:buChar char="•"/>
                       </a:pPr>
                       <a:r>
-                        <a:rPr lang="en-GB" baseline="0" noProof="0" dirty="0"/>
+                        <a:rPr lang="en-GB" sz="1400" baseline="0" noProof="0" dirty="0"/>
                         <a:t>Clear goals</a:t>
                       </a:r>
                     </a:p>
@@ -4348,7 +4348,7 @@
                         <a:buChar char="•"/>
                       </a:pPr>
                       <a:r>
-                        <a:rPr lang="en-GB" baseline="0" noProof="0" dirty="0"/>
+                        <a:rPr lang="en-GB" sz="1400" baseline="0" noProof="0" dirty="0"/>
                         <a:t>Not flexible</a:t>
                       </a:r>
                     </a:p>
@@ -4358,7 +4358,7 @@
                         <a:buChar char="•"/>
                       </a:pPr>
                       <a:r>
-                        <a:rPr lang="en-GB" baseline="0" noProof="0" dirty="0"/>
+                        <a:rPr lang="en-GB" sz="1400" baseline="0" noProof="0" dirty="0"/>
                         <a:t>Can’t change goals</a:t>
                       </a:r>
                     </a:p>
@@ -4368,7 +4368,7 @@
                         <a:buChar char="•"/>
                       </a:pPr>
                       <a:r>
-                        <a:rPr lang="en-GB" baseline="0" noProof="0" dirty="0"/>
+                        <a:rPr lang="en-GB" sz="1400" baseline="0" noProof="0" dirty="0"/>
                         <a:t>Can’t add requirements</a:t>
                       </a:r>
                     </a:p>
@@ -4385,7 +4385,7 @@
                         <a:buChar char="•"/>
                       </a:pPr>
                       <a:r>
-                        <a:rPr lang="en-GB" baseline="0" noProof="0" dirty="0"/>
+                        <a:rPr lang="en-GB" sz="1400" baseline="0" noProof="0" dirty="0"/>
                         <a:t>Flexibility</a:t>
                       </a:r>
                     </a:p>
@@ -4395,7 +4395,7 @@
                         <a:buChar char="•"/>
                       </a:pPr>
                       <a:r>
-                        <a:rPr lang="en-GB" baseline="0" noProof="0" dirty="0"/>
+                        <a:rPr lang="en-GB" sz="1400" baseline="0" noProof="0" dirty="0"/>
                         <a:t>Easy to handle new requirements</a:t>
                       </a:r>
                     </a:p>
@@ -4404,7 +4404,7 @@
                         <a:buFont typeface="Arial" panose="020B0604020202020204" pitchFamily="34" charset="0"/>
                         <a:buChar char="•"/>
                       </a:pPr>
-                      <a:endParaRPr lang="en-GB" baseline="0" noProof="0" dirty="0"/>
+                      <a:endParaRPr lang="en-GB" sz="1400" baseline="0" noProof="0" dirty="0"/>
                     </a:p>
                   </a:txBody>
                   <a:tcPr/>
@@ -4419,7 +4419,7 @@
                         <a:buChar char="•"/>
                       </a:pPr>
                       <a:r>
-                        <a:rPr lang="en-GB" baseline="0" noProof="0" dirty="0"/>
+                        <a:rPr lang="en-GB" sz="1400" baseline="0" noProof="0" dirty="0"/>
                         <a:t>Few meetings</a:t>
                       </a:r>
                     </a:p>
@@ -4429,7 +4429,7 @@
                         <a:buChar char="•"/>
                       </a:pPr>
                       <a:r>
-                        <a:rPr lang="en-GB" baseline="0" noProof="0" dirty="0"/>
+                        <a:rPr lang="en-GB" sz="1400" baseline="0" noProof="0" dirty="0"/>
                         <a:t>Time consuming</a:t>
                       </a:r>
                     </a:p>
@@ -4449,7 +4449,7 @@
                     <a:lstStyle/>
                     <a:p>
                       <a:r>
-                        <a:rPr lang="en-GB" noProof="0" dirty="0"/>
+                        <a:rPr lang="en-GB" sz="1400" noProof="0" dirty="0"/>
                         <a:t>User</a:t>
                       </a:r>
                     </a:p>
@@ -4466,8 +4466,18 @@
                         <a:buChar char="•"/>
                       </a:pPr>
                       <a:r>
-                        <a:rPr lang="en-GB" baseline="0" noProof="0" dirty="0"/>
+                        <a:rPr lang="en-GB" sz="1400" baseline="0" noProof="0" dirty="0"/>
                         <a:t>Know when the program is available</a:t>
+                      </a:r>
+                    </a:p>
+                    <a:p>
+                      <a:pPr marL="285750" indent="-285750">
+                        <a:buFont typeface="Arial" panose="020B0604020202020204" pitchFamily="34" charset="0"/>
+                        <a:buChar char="•"/>
+                      </a:pPr>
+                      <a:r>
+                        <a:rPr lang="en-GB" sz="1400" baseline="0" noProof="0" dirty="0"/>
+                        <a:t>Deadlines are know</a:t>
                       </a:r>
                     </a:p>
                   </a:txBody>
@@ -4483,8 +4493,18 @@
                         <a:buChar char="•"/>
                       </a:pPr>
                       <a:r>
-                        <a:rPr lang="en-GB" baseline="0" noProof="0" dirty="0"/>
+                        <a:rPr lang="en-GB" sz="1400" baseline="0" noProof="0" dirty="0"/>
                         <a:t>Can’t be user oriented</a:t>
+                      </a:r>
+                    </a:p>
+                    <a:p>
+                      <a:pPr marL="285750" indent="-285750">
+                        <a:buFont typeface="Arial" panose="020B0604020202020204" pitchFamily="34" charset="0"/>
+                        <a:buChar char="•"/>
+                      </a:pPr>
+                      <a:r>
+                        <a:rPr lang="en-GB" sz="1400" baseline="0" noProof="0" dirty="0"/>
+                        <a:t>Requirements can’t be changed</a:t>
                       </a:r>
                     </a:p>
                   </a:txBody>
@@ -4500,8 +4520,18 @@
                         <a:buChar char="•"/>
                       </a:pPr>
                       <a:r>
-                        <a:rPr lang="en-GB" baseline="0" noProof="0" dirty="0"/>
+                        <a:rPr lang="en-GB" sz="1400" baseline="0" noProof="0" dirty="0"/>
                         <a:t>User oriented program</a:t>
+                      </a:r>
+                    </a:p>
+                    <a:p>
+                      <a:pPr marL="285750" indent="-285750">
+                        <a:buFont typeface="Arial" panose="020B0604020202020204" pitchFamily="34" charset="0"/>
+                        <a:buChar char="•"/>
+                      </a:pPr>
+                      <a:r>
+                        <a:rPr lang="en-GB" sz="1400" baseline="0" noProof="0" dirty="0"/>
+                        <a:t>Easy to handle new requirements</a:t>
                       </a:r>
                     </a:p>
                   </a:txBody>
@@ -4517,9 +4547,16 @@
                         <a:buChar char="•"/>
                       </a:pPr>
                       <a:r>
-                        <a:rPr lang="en-GB" baseline="0" noProof="0" dirty="0"/>
+                        <a:rPr lang="en-GB" sz="1400" baseline="0" noProof="0" dirty="0"/>
                         <a:t>Complex possibility</a:t>
                       </a:r>
+                    </a:p>
+                    <a:p>
+                      <a:pPr marL="0" indent="0">
+                        <a:buFont typeface="Arial" panose="020B0604020202020204" pitchFamily="34" charset="0"/>
+                        <a:buNone/>
+                      </a:pPr>
+                      <a:endParaRPr lang="en-GB" sz="1400" baseline="0" noProof="0" dirty="0"/>
                     </a:p>
                   </a:txBody>
                   <a:tcPr/>
@@ -4537,7 +4574,7 @@
                     <a:lstStyle/>
                     <a:p>
                       <a:r>
-                        <a:rPr lang="en-GB" noProof="0" dirty="0"/>
+                        <a:rPr lang="en-GB" sz="1400" noProof="0" dirty="0"/>
                         <a:t>Team</a:t>
                       </a:r>
                     </a:p>
@@ -4554,12 +4591,32 @@
                         <a:buChar char="•"/>
                       </a:pPr>
                       <a:r>
-                        <a:rPr lang="en-GB" noProof="0" dirty="0"/>
+                        <a:rPr lang="en-GB" sz="1400" noProof="0" dirty="0"/>
                         <a:t>Step</a:t>
                       </a:r>
                       <a:r>
-                        <a:rPr lang="en-GB" baseline="0" noProof="0" dirty="0"/>
+                        <a:rPr lang="en-GB" sz="1400" baseline="0" noProof="0" dirty="0"/>
                         <a:t> by step procedure</a:t>
+                      </a:r>
+                    </a:p>
+                    <a:p>
+                      <a:pPr marL="285750" indent="-285750">
+                        <a:buFont typeface="Arial" panose="020B0604020202020204" pitchFamily="34" charset="0"/>
+                        <a:buChar char="•"/>
+                      </a:pPr>
+                      <a:r>
+                        <a:rPr lang="en-GB" sz="1400" baseline="0" noProof="0" dirty="0"/>
+                        <a:t>Transparency</a:t>
+                      </a:r>
+                    </a:p>
+                    <a:p>
+                      <a:pPr marL="285750" indent="-285750">
+                        <a:buFont typeface="Arial" panose="020B0604020202020204" pitchFamily="34" charset="0"/>
+                        <a:buChar char="•"/>
+                      </a:pPr>
+                      <a:r>
+                        <a:rPr lang="en-GB" sz="1400" baseline="0" noProof="0" dirty="0"/>
+                        <a:t>Clear role distribution</a:t>
                       </a:r>
                     </a:p>
                   </a:txBody>
@@ -4575,14 +4632,24 @@
                         <a:buChar char="•"/>
                       </a:pPr>
                       <a:r>
-                        <a:rPr lang="en-GB" noProof="0" dirty="0"/>
+                        <a:rPr lang="en-GB" sz="1400" noProof="0" dirty="0"/>
                         <a:t>No communication</a:t>
                       </a:r>
                       <a:r>
-                        <a:rPr lang="en-GB" baseline="0" noProof="0" dirty="0"/>
-                        <a:t> between </a:t>
-                      </a:r>
-                      <a:endParaRPr lang="en-GB" noProof="0" dirty="0"/>
+                        <a:rPr lang="en-GB" sz="1400" baseline="0" noProof="0" dirty="0"/>
+                        <a:t> between</a:t>
+                      </a:r>
+                    </a:p>
+                    <a:p>
+                      <a:pPr marL="285750" indent="-285750">
+                        <a:buFont typeface="Arial" panose="020B0604020202020204" pitchFamily="34" charset="0"/>
+                        <a:buChar char="•"/>
+                      </a:pPr>
+                      <a:r>
+                        <a:rPr lang="en-GB" sz="1400" baseline="0" noProof="0" dirty="0"/>
+                        <a:t>Project is not suitable for long-term </a:t>
+                      </a:r>
+                      <a:endParaRPr lang="en-GB" sz="1400" noProof="0" dirty="0"/>
                     </a:p>
                   </a:txBody>
                   <a:tcPr/>
@@ -4597,22 +4664,48 @@
                         <a:buChar char="•"/>
                       </a:pPr>
                       <a:r>
-                        <a:rPr lang="en-GB" noProof="0" dirty="0"/>
+                        <a:rPr lang="en-GB" sz="1400" noProof="0" dirty="0"/>
                         <a:t>Know</a:t>
                       </a:r>
                       <a:r>
-                        <a:rPr lang="en-GB" baseline="0" noProof="0" dirty="0"/>
+                        <a:rPr lang="en-GB" sz="1400" baseline="0" noProof="0" dirty="0"/>
                         <a:t> the </a:t>
                       </a:r>
                       <a:r>
-                        <a:rPr lang="en-GB" baseline="0" noProof="0" dirty="0" err="1"/>
+                        <a:rPr lang="en-GB" sz="1400" baseline="0" noProof="0" dirty="0" err="1"/>
                         <a:t>complet</a:t>
                       </a:r>
                       <a:r>
-                        <a:rPr lang="en-GB" baseline="0" noProof="0" dirty="0"/>
+                        <a:rPr lang="en-GB" sz="1400" baseline="0" noProof="0" dirty="0"/>
                         <a:t> project</a:t>
                       </a:r>
-                      <a:endParaRPr lang="en-GB" noProof="0" dirty="0"/>
+                    </a:p>
+                    <a:p>
+                      <a:pPr marL="285750" indent="-285750">
+                        <a:buFont typeface="Arial" panose="020B0604020202020204" pitchFamily="34" charset="0"/>
+                        <a:buChar char="•"/>
+                      </a:pPr>
+                      <a:r>
+                        <a:rPr lang="en-GB" sz="1400" baseline="0" noProof="0" dirty="0"/>
+                        <a:t>User oriented program</a:t>
+                      </a:r>
+                    </a:p>
+                    <a:p>
+                      <a:pPr marL="285750" indent="-285750">
+                        <a:buFont typeface="Arial" panose="020B0604020202020204" pitchFamily="34" charset="0"/>
+                        <a:buChar char="•"/>
+                      </a:pPr>
+                      <a:r>
+                        <a:rPr lang="en-GB" sz="1400" baseline="0" noProof="0" dirty="0"/>
+                        <a:t>dynamic</a:t>
+                      </a:r>
+                    </a:p>
+                    <a:p>
+                      <a:pPr marL="285750" indent="-285750">
+                        <a:buFont typeface="Arial" panose="020B0604020202020204" pitchFamily="34" charset="0"/>
+                        <a:buChar char="•"/>
+                      </a:pPr>
+                      <a:endParaRPr lang="en-GB" sz="1400" noProof="0" dirty="0"/>
                     </a:p>
                   </a:txBody>
                   <a:tcPr/>
@@ -4626,7 +4719,33 @@
                         <a:buFont typeface="Arial" panose="020B0604020202020204" pitchFamily="34" charset="0"/>
                         <a:buChar char="•"/>
                       </a:pPr>
-                      <a:endParaRPr lang="en-GB" noProof="0" dirty="0"/>
+                      <a:r>
+                        <a:rPr lang="en-GB" sz="1400" noProof="0" dirty="0"/>
+                        <a:t>Depending</a:t>
+                      </a:r>
+                      <a:r>
+                        <a:rPr lang="en-GB" sz="1400" baseline="0" noProof="0" dirty="0"/>
+                        <a:t> on the individual persons</a:t>
+                      </a:r>
+                    </a:p>
+                    <a:p>
+                      <a:pPr marL="285750" indent="-285750">
+                        <a:buFont typeface="Arial" panose="020B0604020202020204" pitchFamily="34" charset="0"/>
+                        <a:buChar char="•"/>
+                      </a:pPr>
+                      <a:r>
+                        <a:rPr lang="en-GB" sz="1400" baseline="0" noProof="0" dirty="0"/>
+                        <a:t>A lot of </a:t>
+                      </a:r>
+                      <a:r>
+                        <a:rPr lang="en-GB" sz="1400" baseline="0" noProof="0" dirty="0" err="1"/>
+                        <a:t>teammeetings</a:t>
+                      </a:r>
+                      <a:r>
+                        <a:rPr lang="en-GB" sz="1400" baseline="0" noProof="0" dirty="0"/>
+                        <a:t> </a:t>
+                      </a:r>
+                      <a:endParaRPr lang="en-GB" sz="1400" noProof="0" dirty="0"/>
                     </a:p>
                   </a:txBody>
                   <a:tcPr/>
@@ -4644,7 +4763,7 @@
                     <a:lstStyle/>
                     <a:p>
                       <a:r>
-                        <a:rPr lang="en-GB" noProof="0" dirty="0"/>
+                        <a:rPr lang="en-GB" sz="1400" noProof="0" dirty="0"/>
                         <a:t>Resources</a:t>
                       </a:r>
                     </a:p>
@@ -4660,7 +4779,21 @@
                         <a:buFont typeface="Arial" panose="020B0604020202020204" pitchFamily="34" charset="0"/>
                         <a:buChar char="•"/>
                       </a:pPr>
-                      <a:endParaRPr lang="en-GB" noProof="0" dirty="0"/>
+                      <a:r>
+                        <a:rPr lang="en-GB" sz="1400" noProof="0" dirty="0" err="1"/>
+                        <a:t>Planable</a:t>
+                      </a:r>
+                      <a:endParaRPr lang="en-GB" sz="1400" noProof="0" dirty="0"/>
+                    </a:p>
+                    <a:p>
+                      <a:pPr marL="285750" indent="-285750">
+                        <a:buFont typeface="Arial" panose="020B0604020202020204" pitchFamily="34" charset="0"/>
+                        <a:buChar char="•"/>
+                      </a:pPr>
+                      <a:r>
+                        <a:rPr lang="en-GB" sz="1400" noProof="0" dirty="0"/>
+                        <a:t>Clear procedure</a:t>
+                      </a:r>
                     </a:p>
                   </a:txBody>
                   <a:tcPr/>
@@ -4674,7 +4807,10 @@
                         <a:buFont typeface="Arial" panose="020B0604020202020204" pitchFamily="34" charset="0"/>
                         <a:buChar char="•"/>
                       </a:pPr>
-                      <a:endParaRPr lang="en-GB" noProof="0" dirty="0"/>
+                      <a:r>
+                        <a:rPr lang="en-GB" sz="1400" noProof="0" dirty="0"/>
+                        <a:t>Time consuming on mistakes</a:t>
+                      </a:r>
                     </a:p>
                   </a:txBody>
                   <a:tcPr/>
@@ -4688,7 +4824,10 @@
                         <a:buFont typeface="Arial" panose="020B0604020202020204" pitchFamily="34" charset="0"/>
                         <a:buChar char="•"/>
                       </a:pPr>
-                      <a:endParaRPr lang="en-GB" noProof="0" dirty="0"/>
+                      <a:r>
+                        <a:rPr lang="en-GB" sz="1400" noProof="0" dirty="0"/>
+                        <a:t>Flexibility</a:t>
+                      </a:r>
                     </a:p>
                   </a:txBody>
                   <a:tcPr/>
@@ -4702,7 +4841,15 @@
                         <a:buFont typeface="Arial" panose="020B0604020202020204" pitchFamily="34" charset="0"/>
                         <a:buChar char="•"/>
                       </a:pPr>
-                      <a:endParaRPr lang="en-GB" noProof="0" dirty="0"/>
+                      <a:r>
+                        <a:rPr lang="en-GB" sz="1400" noProof="0" dirty="0"/>
+                        <a:t>Takes time for early </a:t>
+                      </a:r>
+                      <a:r>
+                        <a:rPr lang="en-GB" sz="1400" noProof="0"/>
+                        <a:t>stage projects</a:t>
+                      </a:r>
+                      <a:endParaRPr lang="en-GB" sz="1400" noProof="0" dirty="0"/>
                     </a:p>
                   </a:txBody>
                   <a:tcPr/>

--- a/doc/task2/red_task2.pptx
+++ b/doc/task2/red_task2.pptx
@@ -5,14 +5,13 @@
     <p:sldMasterId id="2147483648" r:id="rId1"/>
   </p:sldMasterIdLst>
   <p:notesMasterIdLst>
-    <p:notesMasterId r:id="rId7"/>
+    <p:notesMasterId r:id="rId6"/>
   </p:notesMasterIdLst>
   <p:sldIdLst>
     <p:sldId id="256" r:id="rId2"/>
     <p:sldId id="258" r:id="rId3"/>
     <p:sldId id="257" r:id="rId4"/>
     <p:sldId id="260" r:id="rId5"/>
-    <p:sldId id="259" r:id="rId6"/>
   </p:sldIdLst>
   <p:sldSz cx="12192000" cy="6858000"/>
   <p:notesSz cx="6858000" cy="9144000"/>
@@ -212,7 +211,7 @@
           <a:p>
             <a:fld id="{5B2198A5-93F7-4FCF-869A-9C82D45C0156}" type="datetimeFigureOut">
               <a:rPr lang="fr-CH" smtClean="0"/>
-              <a:t>06.10.2016</a:t>
+              <a:t>06.10.16</a:t>
             </a:fld>
             <a:endParaRPr lang="fr-CH"/>
           </a:p>
@@ -371,7 +370,7 @@
           <a:p>
             <a:fld id="{AF9FDE3E-48DD-4CA6-B489-1DA43FB4A99C}" type="slidenum">
               <a:rPr lang="fr-CH" smtClean="0"/>
-              <a:t>‹N°›</a:t>
+              <a:t>‹Nr.›</a:t>
             </a:fld>
             <a:endParaRPr lang="fr-CH"/>
           </a:p>
@@ -535,6 +534,10 @@
               <a:rPr lang="fr-CH" dirty="0" err="1"/>
               <a:t>ipx</a:t>
             </a:r>
+            <a:r>
+              <a:rPr lang="fr-CH" dirty="0"/>
+              <a:t/>
+            </a:r>
             <a:br>
               <a:rPr lang="fr-CH" dirty="0"/>
             </a:br>
@@ -721,7 +724,7 @@
           <a:p>
             <a:fld id="{F2C477CA-3E3E-4F98-9C85-9D8943514B74}" type="datetimeFigureOut">
               <a:rPr lang="de-CH" smtClean="0"/>
-              <a:t>06.10.2016</a:t>
+              <a:t>06.10.16</a:t>
             </a:fld>
             <a:endParaRPr lang="de-CH"/>
           </a:p>
@@ -763,7 +766,7 @@
           <a:p>
             <a:fld id="{BE5B2E26-3929-4A5A-8746-9004F4E2E30D}" type="slidenum">
               <a:rPr lang="de-CH" smtClean="0"/>
-              <a:t>‹N°›</a:t>
+              <a:t>‹Nr.›</a:t>
             </a:fld>
             <a:endParaRPr lang="de-CH"/>
           </a:p>
@@ -891,7 +894,7 @@
           <a:p>
             <a:fld id="{F2C477CA-3E3E-4F98-9C85-9D8943514B74}" type="datetimeFigureOut">
               <a:rPr lang="de-CH" smtClean="0"/>
-              <a:t>06.10.2016</a:t>
+              <a:t>06.10.16</a:t>
             </a:fld>
             <a:endParaRPr lang="de-CH"/>
           </a:p>
@@ -933,7 +936,7 @@
           <a:p>
             <a:fld id="{BE5B2E26-3929-4A5A-8746-9004F4E2E30D}" type="slidenum">
               <a:rPr lang="de-CH" smtClean="0"/>
-              <a:t>‹N°›</a:t>
+              <a:t>‹Nr.›</a:t>
             </a:fld>
             <a:endParaRPr lang="de-CH"/>
           </a:p>
@@ -1071,7 +1074,7 @@
           <a:p>
             <a:fld id="{F2C477CA-3E3E-4F98-9C85-9D8943514B74}" type="datetimeFigureOut">
               <a:rPr lang="de-CH" smtClean="0"/>
-              <a:t>06.10.2016</a:t>
+              <a:t>06.10.16</a:t>
             </a:fld>
             <a:endParaRPr lang="de-CH"/>
           </a:p>
@@ -1113,7 +1116,7 @@
           <a:p>
             <a:fld id="{BE5B2E26-3929-4A5A-8746-9004F4E2E30D}" type="slidenum">
               <a:rPr lang="de-CH" smtClean="0"/>
-              <a:t>‹N°›</a:t>
+              <a:t>‹Nr.›</a:t>
             </a:fld>
             <a:endParaRPr lang="de-CH"/>
           </a:p>
@@ -1241,7 +1244,7 @@
           <a:p>
             <a:fld id="{F2C477CA-3E3E-4F98-9C85-9D8943514B74}" type="datetimeFigureOut">
               <a:rPr lang="de-CH" smtClean="0"/>
-              <a:t>06.10.2016</a:t>
+              <a:t>06.10.16</a:t>
             </a:fld>
             <a:endParaRPr lang="de-CH"/>
           </a:p>
@@ -1283,7 +1286,7 @@
           <a:p>
             <a:fld id="{BE5B2E26-3929-4A5A-8746-9004F4E2E30D}" type="slidenum">
               <a:rPr lang="de-CH" smtClean="0"/>
-              <a:t>‹N°›</a:t>
+              <a:t>‹Nr.›</a:t>
             </a:fld>
             <a:endParaRPr lang="de-CH"/>
           </a:p>
@@ -1487,7 +1490,7 @@
           <a:p>
             <a:fld id="{F2C477CA-3E3E-4F98-9C85-9D8943514B74}" type="datetimeFigureOut">
               <a:rPr lang="de-CH" smtClean="0"/>
-              <a:t>06.10.2016</a:t>
+              <a:t>06.10.16</a:t>
             </a:fld>
             <a:endParaRPr lang="de-CH"/>
           </a:p>
@@ -1529,7 +1532,7 @@
           <a:p>
             <a:fld id="{BE5B2E26-3929-4A5A-8746-9004F4E2E30D}" type="slidenum">
               <a:rPr lang="de-CH" smtClean="0"/>
-              <a:t>‹N°›</a:t>
+              <a:t>‹Nr.›</a:t>
             </a:fld>
             <a:endParaRPr lang="de-CH"/>
           </a:p>
@@ -1719,7 +1722,7 @@
           <a:p>
             <a:fld id="{F2C477CA-3E3E-4F98-9C85-9D8943514B74}" type="datetimeFigureOut">
               <a:rPr lang="de-CH" smtClean="0"/>
-              <a:t>06.10.2016</a:t>
+              <a:t>06.10.16</a:t>
             </a:fld>
             <a:endParaRPr lang="de-CH"/>
           </a:p>
@@ -1761,7 +1764,7 @@
           <a:p>
             <a:fld id="{BE5B2E26-3929-4A5A-8746-9004F4E2E30D}" type="slidenum">
               <a:rPr lang="de-CH" smtClean="0"/>
-              <a:t>‹N°›</a:t>
+              <a:t>‹Nr.›</a:t>
             </a:fld>
             <a:endParaRPr lang="de-CH"/>
           </a:p>
@@ -2086,7 +2089,7 @@
           <a:p>
             <a:fld id="{F2C477CA-3E3E-4F98-9C85-9D8943514B74}" type="datetimeFigureOut">
               <a:rPr lang="de-CH" smtClean="0"/>
-              <a:t>06.10.2016</a:t>
+              <a:t>06.10.16</a:t>
             </a:fld>
             <a:endParaRPr lang="de-CH"/>
           </a:p>
@@ -2128,7 +2131,7 @@
           <a:p>
             <a:fld id="{BE5B2E26-3929-4A5A-8746-9004F4E2E30D}" type="slidenum">
               <a:rPr lang="de-CH" smtClean="0"/>
-              <a:t>‹N°›</a:t>
+              <a:t>‹Nr.›</a:t>
             </a:fld>
             <a:endParaRPr lang="de-CH"/>
           </a:p>
@@ -2204,7 +2207,7 @@
           <a:p>
             <a:fld id="{F2C477CA-3E3E-4F98-9C85-9D8943514B74}" type="datetimeFigureOut">
               <a:rPr lang="de-CH" smtClean="0"/>
-              <a:t>06.10.2016</a:t>
+              <a:t>06.10.16</a:t>
             </a:fld>
             <a:endParaRPr lang="de-CH"/>
           </a:p>
@@ -2246,7 +2249,7 @@
           <a:p>
             <a:fld id="{BE5B2E26-3929-4A5A-8746-9004F4E2E30D}" type="slidenum">
               <a:rPr lang="de-CH" smtClean="0"/>
-              <a:t>‹N°›</a:t>
+              <a:t>‹Nr.›</a:t>
             </a:fld>
             <a:endParaRPr lang="de-CH"/>
           </a:p>
@@ -2299,7 +2302,7 @@
           <a:p>
             <a:fld id="{F2C477CA-3E3E-4F98-9C85-9D8943514B74}" type="datetimeFigureOut">
               <a:rPr lang="de-CH" smtClean="0"/>
-              <a:t>06.10.2016</a:t>
+              <a:t>06.10.16</a:t>
             </a:fld>
             <a:endParaRPr lang="de-CH"/>
           </a:p>
@@ -2341,7 +2344,7 @@
           <a:p>
             <a:fld id="{BE5B2E26-3929-4A5A-8746-9004F4E2E30D}" type="slidenum">
               <a:rPr lang="de-CH" smtClean="0"/>
-              <a:t>‹N°›</a:t>
+              <a:t>‹Nr.›</a:t>
             </a:fld>
             <a:endParaRPr lang="de-CH"/>
           </a:p>
@@ -2576,7 +2579,7 @@
           <a:p>
             <a:fld id="{F2C477CA-3E3E-4F98-9C85-9D8943514B74}" type="datetimeFigureOut">
               <a:rPr lang="de-CH" smtClean="0"/>
-              <a:t>06.10.2016</a:t>
+              <a:t>06.10.16</a:t>
             </a:fld>
             <a:endParaRPr lang="de-CH"/>
           </a:p>
@@ -2618,7 +2621,7 @@
           <a:p>
             <a:fld id="{BE5B2E26-3929-4A5A-8746-9004F4E2E30D}" type="slidenum">
               <a:rPr lang="de-CH" smtClean="0"/>
-              <a:t>‹N°›</a:t>
+              <a:t>‹Nr.›</a:t>
             </a:fld>
             <a:endParaRPr lang="de-CH"/>
           </a:p>
@@ -2829,7 +2832,7 @@
           <a:p>
             <a:fld id="{F2C477CA-3E3E-4F98-9C85-9D8943514B74}" type="datetimeFigureOut">
               <a:rPr lang="de-CH" smtClean="0"/>
-              <a:t>06.10.2016</a:t>
+              <a:t>06.10.16</a:t>
             </a:fld>
             <a:endParaRPr lang="de-CH"/>
           </a:p>
@@ -2871,7 +2874,7 @@
           <a:p>
             <a:fld id="{BE5B2E26-3929-4A5A-8746-9004F4E2E30D}" type="slidenum">
               <a:rPr lang="de-CH" smtClean="0"/>
-              <a:t>‹N°›</a:t>
+              <a:t>‹Nr.›</a:t>
             </a:fld>
             <a:endParaRPr lang="de-CH"/>
           </a:p>
@@ -3042,7 +3045,7 @@
           <a:p>
             <a:fld id="{F2C477CA-3E3E-4F98-9C85-9D8943514B74}" type="datetimeFigureOut">
               <a:rPr lang="de-CH" smtClean="0"/>
-              <a:t>06.10.2016</a:t>
+              <a:t>06.10.16</a:t>
             </a:fld>
             <a:endParaRPr lang="de-CH"/>
           </a:p>
@@ -3120,7 +3123,7 @@
           <a:p>
             <a:fld id="{BE5B2E26-3929-4A5A-8746-9004F4E2E30D}" type="slidenum">
               <a:rPr lang="de-CH" smtClean="0"/>
-              <a:t>‹N°›</a:t>
+              <a:t>‹Nr.›</a:t>
             </a:fld>
             <a:endParaRPr lang="de-CH"/>
           </a:p>
@@ -3632,8 +3635,35 @@
             </a:r>
             <a:r>
               <a:rPr lang="de-CH" dirty="0"/>
-              <a:t> Agile</a:t>
-            </a:r>
+              <a:t> </a:t>
+            </a:r>
+            <a:r>
+              <a:rPr lang="de-CH" dirty="0" smtClean="0"/>
+              <a:t>Agile</a:t>
+            </a:r>
+          </a:p>
+          <a:p>
+            <a:r>
+              <a:rPr lang="de-CH" dirty="0" err="1"/>
+              <a:t>Our</a:t>
+            </a:r>
+            <a:r>
+              <a:rPr lang="de-CH" dirty="0"/>
+              <a:t> SE </a:t>
+            </a:r>
+            <a:r>
+              <a:rPr lang="de-CH" dirty="0" err="1"/>
+              <a:t>process</a:t>
+            </a:r>
+            <a:r>
+              <a:rPr lang="de-CH" dirty="0"/>
+              <a:t> </a:t>
+            </a:r>
+            <a:r>
+              <a:rPr lang="de-CH" dirty="0" err="1"/>
+              <a:t>analysis</a:t>
+            </a:r>
+            <a:endParaRPr lang="de-CH" dirty="0"/>
           </a:p>
         </p:txBody>
       </p:sp>
@@ -3734,21 +3764,21 @@
                 <a:gridCol w="3505200">
                   <a:extLst>
                     <a:ext uri="{9D8B030D-6E8A-4147-A177-3AD203B41FA5}">
-                      <a16:colId xmlns:a16="http://schemas.microsoft.com/office/drawing/2014/main" val="20000"/>
+                      <a16:colId xmlns:a16="http://schemas.microsoft.com/office/drawing/2014/main" xmlns="" val="20000"/>
                     </a:ext>
                   </a:extLst>
                 </a:gridCol>
                 <a:gridCol w="3505200">
                   <a:extLst>
                     <a:ext uri="{9D8B030D-6E8A-4147-A177-3AD203B41FA5}">
-                      <a16:colId xmlns:a16="http://schemas.microsoft.com/office/drawing/2014/main" val="20001"/>
+                      <a16:colId xmlns:a16="http://schemas.microsoft.com/office/drawing/2014/main" xmlns="" val="20001"/>
                     </a:ext>
                   </a:extLst>
                 </a:gridCol>
                 <a:gridCol w="3505200">
                   <a:extLst>
                     <a:ext uri="{9D8B030D-6E8A-4147-A177-3AD203B41FA5}">
-                      <a16:colId xmlns:a16="http://schemas.microsoft.com/office/drawing/2014/main" val="20002"/>
+                      <a16:colId xmlns:a16="http://schemas.microsoft.com/office/drawing/2014/main" xmlns="" val="20002"/>
                     </a:ext>
                   </a:extLst>
                 </a:gridCol>
@@ -3795,7 +3825,7 @@
                 </a:tc>
                 <a:extLst>
                   <a:ext uri="{0D108BD9-81ED-4DB2-BD59-A6C34878D82A}">
-                    <a16:rowId xmlns:a16="http://schemas.microsoft.com/office/drawing/2014/main" val="10000"/>
+                    <a16:rowId xmlns:a16="http://schemas.microsoft.com/office/drawing/2014/main" xmlns="" val="10000"/>
                   </a:ext>
                 </a:extLst>
               </a:tr>
@@ -3917,7 +3947,7 @@
                 </a:tc>
                 <a:extLst>
                   <a:ext uri="{0D108BD9-81ED-4DB2-BD59-A6C34878D82A}">
-                    <a16:rowId xmlns:a16="http://schemas.microsoft.com/office/drawing/2014/main" val="10001"/>
+                    <a16:rowId xmlns:a16="http://schemas.microsoft.com/office/drawing/2014/main" xmlns="" val="10001"/>
                   </a:ext>
                 </a:extLst>
               </a:tr>
@@ -4011,7 +4041,7 @@
                 </a:tc>
                 <a:extLst>
                   <a:ext uri="{0D108BD9-81ED-4DB2-BD59-A6C34878D82A}">
-                    <a16:rowId xmlns:a16="http://schemas.microsoft.com/office/drawing/2014/main" val="10002"/>
+                    <a16:rowId xmlns:a16="http://schemas.microsoft.com/office/drawing/2014/main" xmlns="" val="10002"/>
                   </a:ext>
                 </a:extLst>
               </a:tr>
@@ -4117,35 +4147,35 @@
                 <a:gridCol w="1810732">
                   <a:extLst>
                     <a:ext uri="{9D8B030D-6E8A-4147-A177-3AD203B41FA5}">
-                      <a16:colId xmlns:a16="http://schemas.microsoft.com/office/drawing/2014/main" val="20000"/>
+                      <a16:colId xmlns:a16="http://schemas.microsoft.com/office/drawing/2014/main" xmlns="" val="20000"/>
                     </a:ext>
                   </a:extLst>
                 </a:gridCol>
                 <a:gridCol w="2408260">
                   <a:extLst>
                     <a:ext uri="{9D8B030D-6E8A-4147-A177-3AD203B41FA5}">
-                      <a16:colId xmlns:a16="http://schemas.microsoft.com/office/drawing/2014/main" val="20001"/>
+                      <a16:colId xmlns:a16="http://schemas.microsoft.com/office/drawing/2014/main" xmlns="" val="20001"/>
                     </a:ext>
                   </a:extLst>
                 </a:gridCol>
                 <a:gridCol w="2050618">
                   <a:extLst>
                     <a:ext uri="{9D8B030D-6E8A-4147-A177-3AD203B41FA5}">
-                      <a16:colId xmlns:a16="http://schemas.microsoft.com/office/drawing/2014/main" val="20002"/>
+                      <a16:colId xmlns:a16="http://schemas.microsoft.com/office/drawing/2014/main" xmlns="" val="20002"/>
                     </a:ext>
                   </a:extLst>
                 </a:gridCol>
                 <a:gridCol w="2337848">
                   <a:extLst>
                     <a:ext uri="{9D8B030D-6E8A-4147-A177-3AD203B41FA5}">
-                      <a16:colId xmlns:a16="http://schemas.microsoft.com/office/drawing/2014/main" val="20003"/>
+                      <a16:colId xmlns:a16="http://schemas.microsoft.com/office/drawing/2014/main" xmlns="" val="20003"/>
                     </a:ext>
                   </a:extLst>
                 </a:gridCol>
                 <a:gridCol w="1908142">
                   <a:extLst>
                     <a:ext uri="{9D8B030D-6E8A-4147-A177-3AD203B41FA5}">
-                      <a16:colId xmlns:a16="http://schemas.microsoft.com/office/drawing/2014/main" val="20004"/>
+                      <a16:colId xmlns:a16="http://schemas.microsoft.com/office/drawing/2014/main" xmlns="" val="20004"/>
                     </a:ext>
                   </a:extLst>
                 </a:gridCol>
@@ -4220,7 +4250,7 @@
                 </a:tc>
                 <a:extLst>
                   <a:ext uri="{0D108BD9-81ED-4DB2-BD59-A6C34878D82A}">
-                    <a16:rowId xmlns:a16="http://schemas.microsoft.com/office/drawing/2014/main" val="10000"/>
+                    <a16:rowId xmlns:a16="http://schemas.microsoft.com/office/drawing/2014/main" xmlns="" val="10000"/>
                   </a:ext>
                 </a:extLst>
               </a:tr>
@@ -4293,7 +4323,7 @@
                 </a:tc>
                 <a:extLst>
                   <a:ext uri="{0D108BD9-81ED-4DB2-BD59-A6C34878D82A}">
-                    <a16:rowId xmlns:a16="http://schemas.microsoft.com/office/drawing/2014/main" val="10001"/>
+                    <a16:rowId xmlns:a16="http://schemas.microsoft.com/office/drawing/2014/main" xmlns="" val="10001"/>
                   </a:ext>
                 </a:extLst>
               </a:tr>
@@ -4438,7 +4468,7 @@
                 </a:tc>
                 <a:extLst>
                   <a:ext uri="{0D108BD9-81ED-4DB2-BD59-A6C34878D82A}">
-                    <a16:rowId xmlns:a16="http://schemas.microsoft.com/office/drawing/2014/main" val="10002"/>
+                    <a16:rowId xmlns:a16="http://schemas.microsoft.com/office/drawing/2014/main" xmlns="" val="10002"/>
                   </a:ext>
                 </a:extLst>
               </a:tr>
@@ -4563,7 +4593,7 @@
                 </a:tc>
                 <a:extLst>
                   <a:ext uri="{0D108BD9-81ED-4DB2-BD59-A6C34878D82A}">
-                    <a16:rowId xmlns:a16="http://schemas.microsoft.com/office/drawing/2014/main" val="10003"/>
+                    <a16:rowId xmlns:a16="http://schemas.microsoft.com/office/drawing/2014/main" xmlns="" val="10003"/>
                   </a:ext>
                 </a:extLst>
               </a:tr>
@@ -4752,7 +4782,7 @@
                 </a:tc>
                 <a:extLst>
                   <a:ext uri="{0D108BD9-81ED-4DB2-BD59-A6C34878D82A}">
-                    <a16:rowId xmlns:a16="http://schemas.microsoft.com/office/drawing/2014/main" val="10004"/>
+                    <a16:rowId xmlns:a16="http://schemas.microsoft.com/office/drawing/2014/main" xmlns="" val="10004"/>
                   </a:ext>
                 </a:extLst>
               </a:tr>
@@ -4856,7 +4886,7 @@
                 </a:tc>
                 <a:extLst>
                   <a:ext uri="{0D108BD9-81ED-4DB2-BD59-A6C34878D82A}">
-                    <a16:rowId xmlns:a16="http://schemas.microsoft.com/office/drawing/2014/main" val="10005"/>
+                    <a16:rowId xmlns:a16="http://schemas.microsoft.com/office/drawing/2014/main" xmlns="" val="10005"/>
                   </a:ext>
                 </a:extLst>
               </a:tr>
@@ -4868,85 +4898,6 @@
     <p:extLst>
       <p:ext uri="{BB962C8B-B14F-4D97-AF65-F5344CB8AC3E}">
         <p14:creationId xmlns:p14="http://schemas.microsoft.com/office/powerpoint/2010/main" val="844201128"/>
-      </p:ext>
-    </p:extLst>
-  </p:cSld>
-  <p:clrMapOvr>
-    <a:masterClrMapping/>
-  </p:clrMapOvr>
-</p:sld>
-</file>
-
-<file path=ppt/slides/slide5.xml><?xml version="1.0" encoding="utf-8"?>
-<p:sld xmlns:a="http://schemas.openxmlformats.org/drawingml/2006/main" xmlns:r="http://schemas.openxmlformats.org/officeDocument/2006/relationships" xmlns:p="http://schemas.openxmlformats.org/presentationml/2006/main">
-  <p:cSld>
-    <p:spTree>
-      <p:nvGrpSpPr>
-        <p:cNvPr id="1" name=""/>
-        <p:cNvGrpSpPr/>
-        <p:nvPr/>
-      </p:nvGrpSpPr>
-      <p:grpSpPr>
-        <a:xfrm>
-          <a:off x="0" y="0"/>
-          <a:ext cx="0" cy="0"/>
-          <a:chOff x="0" y="0"/>
-          <a:chExt cx="0" cy="0"/>
-        </a:xfrm>
-      </p:grpSpPr>
-      <p:sp>
-        <p:nvSpPr>
-          <p:cNvPr id="2" name="Titel 1"/>
-          <p:cNvSpPr>
-            <a:spLocks noGrp="1"/>
-          </p:cNvSpPr>
-          <p:nvPr>
-            <p:ph type="title"/>
-          </p:nvPr>
-        </p:nvSpPr>
-        <p:spPr/>
-        <p:txBody>
-          <a:bodyPr/>
-          <a:lstStyle/>
-          <a:p>
-            <a:r>
-              <a:rPr lang="de-CH" dirty="0"/>
-              <a:t>Customers </a:t>
-            </a:r>
-            <a:r>
-              <a:rPr lang="de-CH" dirty="0" err="1"/>
-              <a:t>and</a:t>
-            </a:r>
-            <a:r>
-              <a:rPr lang="de-CH" dirty="0"/>
-              <a:t> Users</a:t>
-            </a:r>
-          </a:p>
-        </p:txBody>
-      </p:sp>
-      <p:sp>
-        <p:nvSpPr>
-          <p:cNvPr id="3" name="Inhaltsplatzhalter 2"/>
-          <p:cNvSpPr>
-            <a:spLocks noGrp="1"/>
-          </p:cNvSpPr>
-          <p:nvPr>
-            <p:ph idx="1"/>
-          </p:nvPr>
-        </p:nvSpPr>
-        <p:spPr/>
-        <p:txBody>
-          <a:bodyPr/>
-          <a:lstStyle/>
-          <a:p>
-            <a:endParaRPr lang="de-CH"/>
-          </a:p>
-        </p:txBody>
-      </p:sp>
-    </p:spTree>
-    <p:extLst>
-      <p:ext uri="{BB962C8B-B14F-4D97-AF65-F5344CB8AC3E}">
-        <p14:creationId xmlns:p14="http://schemas.microsoft.com/office/powerpoint/2010/main" val="2470912166"/>
       </p:ext>
     </p:extLst>
   </p:cSld>
